--- a/perl.pptx
+++ b/perl.pptx
@@ -8,11 +8,17 @@
     <p:sldId id="256" r:id="rId2"/>
     <p:sldId id="257" r:id="rId3"/>
     <p:sldId id="258" r:id="rId4"/>
-    <p:sldId id="260" r:id="rId5"/>
-    <p:sldId id="259" r:id="rId6"/>
-    <p:sldId id="261" r:id="rId7"/>
-    <p:sldId id="262" r:id="rId8"/>
-    <p:sldId id="263" r:id="rId9"/>
+    <p:sldId id="259" r:id="rId5"/>
+    <p:sldId id="261" r:id="rId6"/>
+    <p:sldId id="262" r:id="rId7"/>
+    <p:sldId id="263" r:id="rId8"/>
+    <p:sldId id="264" r:id="rId9"/>
+    <p:sldId id="265" r:id="rId10"/>
+    <p:sldId id="266" r:id="rId11"/>
+    <p:sldId id="267" r:id="rId12"/>
+    <p:sldId id="268" r:id="rId13"/>
+    <p:sldId id="269" r:id="rId14"/>
+    <p:sldId id="270" r:id="rId15"/>
   </p:sldIdLst>
   <p:sldSz cx="12192000" cy="6858000"/>
   <p:notesSz cx="6858000" cy="9144000"/>
@@ -113,7 +119,7 @@
   </p:defaultTextStyle>
   <p:extLst>
     <p:ext uri="{EFAFB233-063F-42B5-8137-9DF3F51BA10A}">
-      <p15:sldGuideLst xmlns:p15="http://schemas.microsoft.com/office/powerpoint/2012/main"/>
+      <p15:sldGuideLst xmlns:p15="http://schemas.microsoft.com/office/powerpoint/2012/main" xmlns=""/>
     </p:ext>
   </p:extLst>
 </p:presentation>
@@ -308,7 +314,7 @@
             <a:fld id="{B61BEF0D-F0BB-DE4B-95CE-6DB70DBA9567}" type="datetimeFigureOut">
               <a:rPr lang="en-US" dirty="0"/>
               <a:pPr/>
-              <a:t>8/25/2019</a:t>
+              <a:t>8/26/2019</a:t>
             </a:fld>
             <a:endParaRPr lang="en-US" dirty="0"/>
           </a:p>
@@ -643,7 +649,7 @@
             <a:fld id="{B61BEF0D-F0BB-DE4B-95CE-6DB70DBA9567}" type="datetimeFigureOut">
               <a:rPr lang="en-US" dirty="0"/>
               <a:pPr/>
-              <a:t>8/25/2019</a:t>
+              <a:t>8/26/2019</a:t>
             </a:fld>
             <a:endParaRPr lang="en-US" dirty="0"/>
           </a:p>
@@ -1041,7 +1047,7 @@
             <a:fld id="{B61BEF0D-F0BB-DE4B-95CE-6DB70DBA9567}" type="datetimeFigureOut">
               <a:rPr lang="en-US" dirty="0"/>
               <a:pPr/>
-              <a:t>8/25/2019</a:t>
+              <a:t>8/26/2019</a:t>
             </a:fld>
             <a:endParaRPr lang="en-US" dirty="0"/>
           </a:p>
@@ -1374,7 +1380,7 @@
             <a:fld id="{B61BEF0D-F0BB-DE4B-95CE-6DB70DBA9567}" type="datetimeFigureOut">
               <a:rPr lang="en-US" dirty="0"/>
               <a:pPr/>
-              <a:t>8/25/2019</a:t>
+              <a:t>8/26/2019</a:t>
             </a:fld>
             <a:endParaRPr lang="en-US" dirty="0"/>
           </a:p>
@@ -1691,7 +1697,7 @@
             <a:fld id="{B61BEF0D-F0BB-DE4B-95CE-6DB70DBA9567}" type="datetimeFigureOut">
               <a:rPr lang="en-US" dirty="0"/>
               <a:pPr/>
-              <a:t>8/25/2019</a:t>
+              <a:t>8/26/2019</a:t>
             </a:fld>
             <a:endParaRPr lang="en-US" dirty="0"/>
           </a:p>
@@ -2084,7 +2090,7 @@
             <a:fld id="{B61BEF0D-F0BB-DE4B-95CE-6DB70DBA9567}" type="datetimeFigureOut">
               <a:rPr lang="en-US" dirty="0"/>
               <a:pPr/>
-              <a:t>8/25/2019</a:t>
+              <a:t>8/26/2019</a:t>
             </a:fld>
             <a:endParaRPr lang="en-US" dirty="0"/>
           </a:p>
@@ -2338,7 +2344,7 @@
             <a:fld id="{B61BEF0D-F0BB-DE4B-95CE-6DB70DBA9567}" type="datetimeFigureOut">
               <a:rPr lang="en-US" dirty="0"/>
               <a:pPr/>
-              <a:t>8/25/2019</a:t>
+              <a:t>8/26/2019</a:t>
             </a:fld>
             <a:endParaRPr lang="en-US" dirty="0"/>
           </a:p>
@@ -2597,7 +2603,7 @@
             <a:fld id="{B61BEF0D-F0BB-DE4B-95CE-6DB70DBA9567}" type="datetimeFigureOut">
               <a:rPr lang="en-US" dirty="0"/>
               <a:pPr/>
-              <a:t>8/25/2019</a:t>
+              <a:t>8/26/2019</a:t>
             </a:fld>
             <a:endParaRPr lang="en-US" dirty="0"/>
           </a:p>
@@ -2856,7 +2862,7 @@
             <a:fld id="{B61BEF0D-F0BB-DE4B-95CE-6DB70DBA9567}" type="datetimeFigureOut">
               <a:rPr lang="en-US" dirty="0"/>
               <a:pPr/>
-              <a:t>8/25/2019</a:t>
+              <a:t>8/26/2019</a:t>
             </a:fld>
             <a:endParaRPr lang="en-US" dirty="0"/>
           </a:p>
@@ -3182,7 +3188,7 @@
             <a:fld id="{B61BEF0D-F0BB-DE4B-95CE-6DB70DBA9567}" type="datetimeFigureOut">
               <a:rPr lang="en-US" dirty="0"/>
               <a:pPr/>
-              <a:t>8/25/2019</a:t>
+              <a:t>8/26/2019</a:t>
             </a:fld>
             <a:endParaRPr lang="en-US" dirty="0"/>
           </a:p>
@@ -3502,7 +3508,7 @@
             <a:fld id="{B61BEF0D-F0BB-DE4B-95CE-6DB70DBA9567}" type="datetimeFigureOut">
               <a:rPr lang="en-US" dirty="0"/>
               <a:pPr/>
-              <a:t>8/25/2019</a:t>
+              <a:t>8/26/2019</a:t>
             </a:fld>
             <a:endParaRPr lang="en-US" dirty="0"/>
           </a:p>
@@ -3956,7 +3962,7 @@
             <a:fld id="{B61BEF0D-F0BB-DE4B-95CE-6DB70DBA9567}" type="datetimeFigureOut">
               <a:rPr lang="en-US" dirty="0"/>
               <a:pPr/>
-              <a:t>8/25/2019</a:t>
+              <a:t>8/26/2019</a:t>
             </a:fld>
             <a:endParaRPr lang="en-US" dirty="0"/>
           </a:p>
@@ -4158,7 +4164,7 @@
             <a:fld id="{B61BEF0D-F0BB-DE4B-95CE-6DB70DBA9567}" type="datetimeFigureOut">
               <a:rPr lang="en-US" dirty="0"/>
               <a:pPr/>
-              <a:t>8/25/2019</a:t>
+              <a:t>8/26/2019</a:t>
             </a:fld>
             <a:endParaRPr lang="en-US" dirty="0"/>
           </a:p>
@@ -4332,7 +4338,7 @@
             <a:fld id="{B61BEF0D-F0BB-DE4B-95CE-6DB70DBA9567}" type="datetimeFigureOut">
               <a:rPr lang="en-US" dirty="0"/>
               <a:pPr/>
-              <a:t>8/25/2019</a:t>
+              <a:t>8/26/2019</a:t>
             </a:fld>
             <a:endParaRPr lang="en-US" dirty="0"/>
           </a:p>
@@ -4662,7 +4668,7 @@
             <a:fld id="{B61BEF0D-F0BB-DE4B-95CE-6DB70DBA9567}" type="datetimeFigureOut">
               <a:rPr lang="en-US" dirty="0"/>
               <a:pPr/>
-              <a:t>8/25/2019</a:t>
+              <a:t>8/26/2019</a:t>
             </a:fld>
             <a:endParaRPr lang="en-US" dirty="0"/>
           </a:p>
@@ -5004,7 +5010,7 @@
             <a:fld id="{B61BEF0D-F0BB-DE4B-95CE-6DB70DBA9567}" type="datetimeFigureOut">
               <a:rPr lang="en-US" dirty="0"/>
               <a:pPr/>
-              <a:t>8/25/2019</a:t>
+              <a:t>8/26/2019</a:t>
             </a:fld>
             <a:endParaRPr lang="en-US" dirty="0"/>
           </a:p>
@@ -7118,7 +7124,7 @@
             <a:fld id="{B61BEF0D-F0BB-DE4B-95CE-6DB70DBA9567}" type="datetimeFigureOut">
               <a:rPr lang="en-US" dirty="0"/>
               <a:pPr/>
-              <a:t>8/25/2019</a:t>
+              <a:t>8/26/2019</a:t>
             </a:fld>
             <a:endParaRPr lang="en-US" dirty="0"/>
           </a:p>
@@ -7676,12 +7682,97 @@
             <p:ph type="subTitle" idx="1"/>
           </p:nvPr>
         </p:nvSpPr>
-        <p:spPr/>
+        <p:spPr>
+          <a:xfrm>
+            <a:off x="7285220" y="4777379"/>
+            <a:ext cx="4219392" cy="1126283"/>
+          </a:xfrm>
+        </p:spPr>
         <p:txBody>
           <a:bodyPr/>
           <a:lstStyle/>
           <a:p>
-            <a:endParaRPr lang="en-US"/>
+            <a:r>
+              <a:rPr lang="en-US" b="1" dirty="0" err="1" smtClean="0">
+                <a:latin typeface="Times New Roman" pitchFamily="18" charset="0"/>
+                <a:cs typeface="Times New Roman" pitchFamily="18" charset="0"/>
+              </a:rPr>
+              <a:t>Người</a:t>
+            </a:r>
+            <a:r>
+              <a:rPr lang="en-US" b="1" dirty="0" smtClean="0">
+                <a:latin typeface="Times New Roman" pitchFamily="18" charset="0"/>
+                <a:cs typeface="Times New Roman" pitchFamily="18" charset="0"/>
+              </a:rPr>
+              <a:t> </a:t>
+            </a:r>
+            <a:r>
+              <a:rPr lang="en-US" b="1" dirty="0" err="1" smtClean="0">
+                <a:latin typeface="Times New Roman" pitchFamily="18" charset="0"/>
+                <a:cs typeface="Times New Roman" pitchFamily="18" charset="0"/>
+              </a:rPr>
+              <a:t>thực</a:t>
+            </a:r>
+            <a:r>
+              <a:rPr lang="en-US" b="1" dirty="0" smtClean="0">
+                <a:latin typeface="Times New Roman" pitchFamily="18" charset="0"/>
+                <a:cs typeface="Times New Roman" pitchFamily="18" charset="0"/>
+              </a:rPr>
+              <a:t> </a:t>
+            </a:r>
+            <a:r>
+              <a:rPr lang="en-US" b="1" dirty="0" err="1" smtClean="0">
+                <a:latin typeface="Times New Roman" pitchFamily="18" charset="0"/>
+                <a:cs typeface="Times New Roman" pitchFamily="18" charset="0"/>
+              </a:rPr>
+              <a:t>hiện</a:t>
+            </a:r>
+            <a:r>
+              <a:rPr lang="en-US" b="1" dirty="0" smtClean="0">
+                <a:latin typeface="Times New Roman" pitchFamily="18" charset="0"/>
+                <a:cs typeface="Times New Roman" pitchFamily="18" charset="0"/>
+              </a:rPr>
+              <a:t>: </a:t>
+            </a:r>
+            <a:r>
+              <a:rPr lang="en-US" dirty="0" err="1" smtClean="0">
+                <a:latin typeface="Times New Roman" pitchFamily="18" charset="0"/>
+                <a:cs typeface="Times New Roman" pitchFamily="18" charset="0"/>
+              </a:rPr>
+              <a:t>Lê</a:t>
+            </a:r>
+            <a:r>
+              <a:rPr lang="en-US" dirty="0" smtClean="0">
+                <a:latin typeface="Times New Roman" pitchFamily="18" charset="0"/>
+                <a:cs typeface="Times New Roman" pitchFamily="18" charset="0"/>
+              </a:rPr>
+              <a:t> </a:t>
+            </a:r>
+            <a:r>
+              <a:rPr lang="en-US" dirty="0" err="1" smtClean="0">
+                <a:latin typeface="Times New Roman" pitchFamily="18" charset="0"/>
+                <a:cs typeface="Times New Roman" pitchFamily="18" charset="0"/>
+              </a:rPr>
+              <a:t>Quốc</a:t>
+            </a:r>
+            <a:r>
+              <a:rPr lang="en-US" dirty="0" smtClean="0">
+                <a:latin typeface="Times New Roman" pitchFamily="18" charset="0"/>
+                <a:cs typeface="Times New Roman" pitchFamily="18" charset="0"/>
+              </a:rPr>
+              <a:t> </a:t>
+            </a:r>
+            <a:r>
+              <a:rPr lang="en-US" dirty="0" err="1" smtClean="0">
+                <a:latin typeface="Times New Roman" pitchFamily="18" charset="0"/>
+                <a:cs typeface="Times New Roman" pitchFamily="18" charset="0"/>
+              </a:rPr>
+              <a:t>Huy</a:t>
+            </a:r>
+            <a:endParaRPr lang="en-US" dirty="0">
+              <a:latin typeface="Times New Roman" pitchFamily="18" charset="0"/>
+              <a:cs typeface="Times New Roman" pitchFamily="18" charset="0"/>
+            </a:endParaRPr>
           </a:p>
         </p:txBody>
       </p:sp>
@@ -7689,6 +7780,804 @@
     <p:extLst>
       <p:ext uri="{BB962C8B-B14F-4D97-AF65-F5344CB8AC3E}">
         <p14:creationId xmlns:p14="http://schemas.microsoft.com/office/powerpoint/2010/main" val="1287288585"/>
+      </p:ext>
+    </p:extLst>
+  </p:cSld>
+  <p:clrMapOvr>
+    <a:masterClrMapping/>
+  </p:clrMapOvr>
+</p:sld>
+</file>
+
+<file path=ppt/slides/slide10.xml><?xml version="1.0" encoding="utf-8"?>
+<p:sld xmlns:a="http://schemas.openxmlformats.org/drawingml/2006/main" xmlns:r="http://schemas.openxmlformats.org/officeDocument/2006/relationships" xmlns:p="http://schemas.openxmlformats.org/presentationml/2006/main">
+  <p:cSld>
+    <p:spTree>
+      <p:nvGrpSpPr>
+        <p:cNvPr id="1" name=""/>
+        <p:cNvGrpSpPr/>
+        <p:nvPr/>
+      </p:nvGrpSpPr>
+      <p:grpSpPr>
+        <a:xfrm>
+          <a:off x="0" y="0"/>
+          <a:ext cx="0" cy="0"/>
+          <a:chOff x="0" y="0"/>
+          <a:chExt cx="0" cy="0"/>
+        </a:xfrm>
+      </p:grpSpPr>
+      <p:sp>
+        <p:nvSpPr>
+          <p:cNvPr id="2" name="Title 1"/>
+          <p:cNvSpPr>
+            <a:spLocks noGrp="1"/>
+          </p:cNvSpPr>
+          <p:nvPr>
+            <p:ph type="title"/>
+          </p:nvPr>
+        </p:nvSpPr>
+        <p:spPr/>
+        <p:txBody>
+          <a:bodyPr/>
+          <a:lstStyle/>
+          <a:p>
+            <a:r>
+              <a:rPr lang="en-US" b="1" dirty="0"/>
+              <a:t>for/</a:t>
+            </a:r>
+            <a:r>
+              <a:rPr lang="en-US" b="1" dirty="0" err="1"/>
+              <a:t>foreach</a:t>
+            </a:r>
+            <a:r>
+              <a:rPr lang="en-US" dirty="0"/>
+              <a:t/>
+            </a:r>
+            <a:br>
+              <a:rPr lang="en-US" dirty="0"/>
+            </a:br>
+            <a:endParaRPr lang="en-US" dirty="0"/>
+          </a:p>
+        </p:txBody>
+      </p:sp>
+      <p:sp>
+        <p:nvSpPr>
+          <p:cNvPr id="3" name="Content Placeholder 2"/>
+          <p:cNvSpPr>
+            <a:spLocks noGrp="1"/>
+          </p:cNvSpPr>
+          <p:nvPr>
+            <p:ph idx="1"/>
+          </p:nvPr>
+        </p:nvSpPr>
+        <p:spPr/>
+        <p:txBody>
+          <a:bodyPr/>
+          <a:lstStyle/>
+          <a:p>
+            <a:pPr>
+              <a:buFont typeface="Wingdings" pitchFamily="2" charset="2"/>
+              <a:buChar char="§"/>
+            </a:pPr>
+            <a:r>
+              <a:rPr lang="en-US" b="1" dirty="0" err="1" smtClean="0"/>
+              <a:t>Khai</a:t>
+            </a:r>
+            <a:r>
+              <a:rPr lang="en-US" b="1" dirty="0" smtClean="0"/>
+              <a:t> </a:t>
+            </a:r>
+            <a:r>
+              <a:rPr lang="en-US" b="1" dirty="0" err="1" smtClean="0"/>
+              <a:t>báo</a:t>
+            </a:r>
+            <a:endParaRPr lang="en-US" b="1" dirty="0" smtClean="0"/>
+          </a:p>
+          <a:p>
+            <a:pPr marL="0" indent="0">
+              <a:buNone/>
+            </a:pPr>
+            <a:r>
+              <a:rPr lang="en-US" dirty="0" smtClean="0"/>
+              <a:t>	@a = (1..9);</a:t>
+            </a:r>
+          </a:p>
+          <a:p>
+            <a:pPr marL="0" indent="0">
+              <a:buNone/>
+            </a:pPr>
+            <a:r>
+              <a:rPr lang="en-US" dirty="0" smtClean="0"/>
+              <a:t>	</a:t>
+            </a:r>
+            <a:r>
+              <a:rPr lang="en-US" b="1" dirty="0" err="1" smtClean="0"/>
+              <a:t>foreach</a:t>
+            </a:r>
+            <a:r>
+              <a:rPr lang="en-US" dirty="0" smtClean="0"/>
+              <a:t> my $i (@a){</a:t>
+            </a:r>
+          </a:p>
+          <a:p>
+            <a:pPr marL="0" indent="0">
+              <a:buNone/>
+            </a:pPr>
+            <a:r>
+              <a:rPr lang="en-US" dirty="0" smtClean="0"/>
+              <a:t>		print(“$i”, “\n”);</a:t>
+            </a:r>
+          </a:p>
+          <a:p>
+            <a:pPr marL="0" indent="0">
+              <a:buNone/>
+            </a:pPr>
+            <a:r>
+              <a:rPr lang="en-US" dirty="0" smtClean="0"/>
+              <a:t>	}</a:t>
+            </a:r>
+          </a:p>
+          <a:p>
+            <a:pPr marL="0" indent="0">
+              <a:buNone/>
+            </a:pPr>
+            <a:r>
+              <a:rPr lang="en-US" dirty="0" smtClean="0"/>
+              <a:t>	</a:t>
+            </a:r>
+            <a:r>
+              <a:rPr lang="en-US" b="1" dirty="0" smtClean="0"/>
+              <a:t>for</a:t>
+            </a:r>
+            <a:r>
+              <a:rPr lang="en-US" dirty="0" smtClean="0"/>
+              <a:t> my $i(@a) {</a:t>
+            </a:r>
+          </a:p>
+          <a:p>
+            <a:pPr marL="0" indent="0">
+              <a:buNone/>
+            </a:pPr>
+            <a:r>
+              <a:rPr lang="en-US" dirty="0" smtClean="0"/>
+              <a:t>		print</a:t>
+            </a:r>
+            <a:r>
+              <a:rPr lang="en-US" dirty="0"/>
+              <a:t>(“$i”, “\n”);</a:t>
+            </a:r>
+          </a:p>
+          <a:p>
+            <a:pPr marL="0" indent="0">
+              <a:buNone/>
+            </a:pPr>
+            <a:r>
+              <a:rPr lang="en-US" dirty="0" smtClean="0"/>
+              <a:t>	}</a:t>
+            </a:r>
+            <a:endParaRPr lang="en-US" dirty="0"/>
+          </a:p>
+        </p:txBody>
+      </p:sp>
+    </p:spTree>
+    <p:extLst>
+      <p:ext uri="{BB962C8B-B14F-4D97-AF65-F5344CB8AC3E}">
+        <p14:creationId xmlns:p14="http://schemas.microsoft.com/office/powerpoint/2010/main" val="2400302516"/>
+      </p:ext>
+    </p:extLst>
+  </p:cSld>
+  <p:clrMapOvr>
+    <a:masterClrMapping/>
+  </p:clrMapOvr>
+</p:sld>
+</file>
+
+<file path=ppt/slides/slide11.xml><?xml version="1.0" encoding="utf-8"?>
+<p:sld xmlns:a="http://schemas.openxmlformats.org/drawingml/2006/main" xmlns:r="http://schemas.openxmlformats.org/officeDocument/2006/relationships" xmlns:p="http://schemas.openxmlformats.org/presentationml/2006/main">
+  <p:cSld>
+    <p:spTree>
+      <p:nvGrpSpPr>
+        <p:cNvPr id="1" name=""/>
+        <p:cNvGrpSpPr/>
+        <p:nvPr/>
+      </p:nvGrpSpPr>
+      <p:grpSpPr>
+        <a:xfrm>
+          <a:off x="0" y="0"/>
+          <a:ext cx="0" cy="0"/>
+          <a:chOff x="0" y="0"/>
+          <a:chExt cx="0" cy="0"/>
+        </a:xfrm>
+      </p:grpSpPr>
+      <p:sp>
+        <p:nvSpPr>
+          <p:cNvPr id="2" name="Title 1"/>
+          <p:cNvSpPr>
+            <a:spLocks noGrp="1"/>
+          </p:cNvSpPr>
+          <p:nvPr>
+            <p:ph type="title"/>
+          </p:nvPr>
+        </p:nvSpPr>
+        <p:spPr/>
+        <p:txBody>
+          <a:bodyPr/>
+          <a:lstStyle/>
+          <a:p>
+            <a:r>
+              <a:rPr lang="en-US" b="1" dirty="0" smtClean="0">
+                <a:latin typeface="Times New Roman" pitchFamily="18" charset="0"/>
+                <a:cs typeface="Times New Roman" pitchFamily="18" charset="0"/>
+              </a:rPr>
+              <a:t>while</a:t>
+            </a:r>
+            <a:endParaRPr lang="en-US" b="1" dirty="0">
+              <a:latin typeface="Times New Roman" pitchFamily="18" charset="0"/>
+              <a:cs typeface="Times New Roman" pitchFamily="18" charset="0"/>
+            </a:endParaRPr>
+          </a:p>
+        </p:txBody>
+      </p:sp>
+      <p:sp>
+        <p:nvSpPr>
+          <p:cNvPr id="3" name="Content Placeholder 2"/>
+          <p:cNvSpPr>
+            <a:spLocks noGrp="1"/>
+          </p:cNvSpPr>
+          <p:nvPr>
+            <p:ph idx="1"/>
+          </p:nvPr>
+        </p:nvSpPr>
+        <p:spPr/>
+        <p:txBody>
+          <a:bodyPr/>
+          <a:lstStyle/>
+          <a:p>
+            <a:pPr>
+              <a:buFont typeface="Wingdings" pitchFamily="2" charset="2"/>
+              <a:buChar char="§"/>
+            </a:pPr>
+            <a:r>
+              <a:rPr lang="en-US" b="1" dirty="0" err="1" smtClean="0"/>
+              <a:t>Khai</a:t>
+            </a:r>
+            <a:r>
+              <a:rPr lang="en-US" b="1" dirty="0" smtClean="0"/>
+              <a:t> </a:t>
+            </a:r>
+            <a:r>
+              <a:rPr lang="en-US" b="1" dirty="0" err="1" smtClean="0"/>
+              <a:t>báo</a:t>
+            </a:r>
+            <a:endParaRPr lang="en-US" b="1" dirty="0" smtClean="0"/>
+          </a:p>
+          <a:p>
+            <a:pPr marL="0" indent="0">
+              <a:buNone/>
+            </a:pPr>
+            <a:r>
+              <a:rPr lang="en-US" dirty="0" smtClean="0"/>
+              <a:t>	$counter </a:t>
+            </a:r>
+            <a:r>
+              <a:rPr lang="en-US" dirty="0"/>
+              <a:t>= 10;</a:t>
+            </a:r>
+          </a:p>
+          <a:p>
+            <a:pPr marL="0" indent="0">
+              <a:buNone/>
+            </a:pPr>
+            <a:r>
+              <a:rPr lang="en-US" dirty="0" smtClean="0"/>
+              <a:t>	while</a:t>
+            </a:r>
+            <a:r>
+              <a:rPr lang="en-US" dirty="0"/>
+              <a:t>($counter &gt; 0){</a:t>
+            </a:r>
+          </a:p>
+          <a:p>
+            <a:pPr marL="0" indent="0">
+              <a:buNone/>
+            </a:pPr>
+            <a:r>
+              <a:rPr lang="en-US" dirty="0" smtClean="0"/>
+              <a:t>		print</a:t>
+            </a:r>
+            <a:r>
+              <a:rPr lang="en-US" dirty="0"/>
+              <a:t>("$counter\n"); </a:t>
+            </a:r>
+          </a:p>
+          <a:p>
+            <a:pPr marL="0" indent="0">
+              <a:buNone/>
+            </a:pPr>
+            <a:r>
+              <a:rPr lang="en-US" dirty="0" smtClean="0"/>
+              <a:t>		$</a:t>
+            </a:r>
+            <a:r>
+              <a:rPr lang="en-US" dirty="0"/>
+              <a:t>counter--;</a:t>
+            </a:r>
+          </a:p>
+          <a:p>
+            <a:pPr marL="0" indent="0">
+              <a:buNone/>
+            </a:pPr>
+            <a:r>
+              <a:rPr lang="en-US" dirty="0" smtClean="0"/>
+              <a:t>	}</a:t>
+            </a:r>
+            <a:endParaRPr lang="en-US" dirty="0"/>
+          </a:p>
+          <a:p>
+            <a:pPr marL="0" indent="0">
+              <a:buNone/>
+            </a:pPr>
+            <a:endParaRPr lang="en-US" dirty="0"/>
+          </a:p>
+        </p:txBody>
+      </p:sp>
+    </p:spTree>
+    <p:extLst>
+      <p:ext uri="{BB962C8B-B14F-4D97-AF65-F5344CB8AC3E}">
+        <p14:creationId xmlns:p14="http://schemas.microsoft.com/office/powerpoint/2010/main" val="447164111"/>
+      </p:ext>
+    </p:extLst>
+  </p:cSld>
+  <p:clrMapOvr>
+    <a:masterClrMapping/>
+  </p:clrMapOvr>
+</p:sld>
+</file>
+
+<file path=ppt/slides/slide12.xml><?xml version="1.0" encoding="utf-8"?>
+<p:sld xmlns:a="http://schemas.openxmlformats.org/drawingml/2006/main" xmlns:r="http://schemas.openxmlformats.org/officeDocument/2006/relationships" xmlns:p="http://schemas.openxmlformats.org/presentationml/2006/main">
+  <p:cSld>
+    <p:spTree>
+      <p:nvGrpSpPr>
+        <p:cNvPr id="1" name=""/>
+        <p:cNvGrpSpPr/>
+        <p:nvPr/>
+      </p:nvGrpSpPr>
+      <p:grpSpPr>
+        <a:xfrm>
+          <a:off x="0" y="0"/>
+          <a:ext cx="0" cy="0"/>
+          <a:chOff x="0" y="0"/>
+          <a:chExt cx="0" cy="0"/>
+        </a:xfrm>
+      </p:grpSpPr>
+      <p:sp>
+        <p:nvSpPr>
+          <p:cNvPr id="2" name="Title 1"/>
+          <p:cNvSpPr>
+            <a:spLocks noGrp="1"/>
+          </p:cNvSpPr>
+          <p:nvPr>
+            <p:ph type="title"/>
+          </p:nvPr>
+        </p:nvSpPr>
+        <p:spPr/>
+        <p:txBody>
+          <a:bodyPr/>
+          <a:lstStyle/>
+          <a:p>
+            <a:r>
+              <a:rPr lang="en-US" b="1" dirty="0" smtClean="0">
+                <a:latin typeface="Times New Roman" pitchFamily="18" charset="0"/>
+                <a:cs typeface="Times New Roman" pitchFamily="18" charset="0"/>
+              </a:rPr>
+              <a:t>CGI</a:t>
+            </a:r>
+            <a:endParaRPr lang="en-US" b="1" dirty="0">
+              <a:latin typeface="Times New Roman" pitchFamily="18" charset="0"/>
+              <a:cs typeface="Times New Roman" pitchFamily="18" charset="0"/>
+            </a:endParaRPr>
+          </a:p>
+        </p:txBody>
+      </p:sp>
+      <p:pic>
+        <p:nvPicPr>
+          <p:cNvPr id="3074" name="Picture 2"/>
+          <p:cNvPicPr>
+            <a:picLocks noChangeAspect="1" noChangeArrowheads="1"/>
+          </p:cNvPicPr>
+          <p:nvPr/>
+        </p:nvPicPr>
+        <p:blipFill>
+          <a:blip r:embed="rId2">
+            <a:extLst>
+              <a:ext uri="{28A0092B-C50C-407E-A947-70E740481C1C}">
+                <a14:useLocalDpi xmlns:a14="http://schemas.microsoft.com/office/drawing/2010/main" val="0"/>
+              </a:ext>
+            </a:extLst>
+          </a:blip>
+          <a:srcRect/>
+          <a:stretch>
+            <a:fillRect/>
+          </a:stretch>
+        </p:blipFill>
+        <p:spPr bwMode="auto">
+          <a:xfrm>
+            <a:off x="2787650" y="1912938"/>
+            <a:ext cx="6616238" cy="3763962"/>
+          </a:xfrm>
+          <a:prstGeom prst="rect">
+            <a:avLst/>
+          </a:prstGeom>
+          <a:noFill/>
+          <a:ln>
+            <a:noFill/>
+          </a:ln>
+          <a:effectLst/>
+          <a:extLst>
+            <a:ext uri="{909E8E84-426E-40DD-AFC4-6F175D3DCCD1}">
+              <a14:hiddenFill xmlns:a14="http://schemas.microsoft.com/office/drawing/2010/main">
+                <a:solidFill>
+                  <a:schemeClr val="accent1"/>
+                </a:solidFill>
+              </a14:hiddenFill>
+            </a:ext>
+            <a:ext uri="{91240B29-F687-4F45-9708-019B960494DF}">
+              <a14:hiddenLine xmlns:a14="http://schemas.microsoft.com/office/drawing/2010/main" w="9525">
+                <a:solidFill>
+                  <a:schemeClr val="tx1"/>
+                </a:solidFill>
+                <a:miter lim="800000"/>
+                <a:headEnd/>
+                <a:tailEnd/>
+              </a14:hiddenLine>
+            </a:ext>
+            <a:ext uri="{AF507438-7753-43E0-B8FC-AC1667EBCBE1}">
+              <a14:hiddenEffects xmlns:a14="http://schemas.microsoft.com/office/drawing/2010/main">
+                <a:effectLst>
+                  <a:outerShdw dist="35921" dir="2700000" algn="ctr" rotWithShape="0">
+                    <a:schemeClr val="bg2"/>
+                  </a:outerShdw>
+                </a:effectLst>
+              </a14:hiddenEffects>
+            </a:ext>
+          </a:extLst>
+        </p:spPr>
+      </p:pic>
+    </p:spTree>
+    <p:extLst>
+      <p:ext uri="{BB962C8B-B14F-4D97-AF65-F5344CB8AC3E}">
+        <p14:creationId xmlns:p14="http://schemas.microsoft.com/office/powerpoint/2010/main" val="2865055665"/>
+      </p:ext>
+    </p:extLst>
+  </p:cSld>
+  <p:clrMapOvr>
+    <a:masterClrMapping/>
+  </p:clrMapOvr>
+</p:sld>
+</file>
+
+<file path=ppt/slides/slide13.xml><?xml version="1.0" encoding="utf-8"?>
+<p:sld xmlns:a="http://schemas.openxmlformats.org/drawingml/2006/main" xmlns:r="http://schemas.openxmlformats.org/officeDocument/2006/relationships" xmlns:p="http://schemas.openxmlformats.org/presentationml/2006/main">
+  <p:cSld>
+    <p:spTree>
+      <p:nvGrpSpPr>
+        <p:cNvPr id="1" name=""/>
+        <p:cNvGrpSpPr/>
+        <p:nvPr/>
+      </p:nvGrpSpPr>
+      <p:grpSpPr>
+        <a:xfrm>
+          <a:off x="0" y="0"/>
+          <a:ext cx="0" cy="0"/>
+          <a:chOff x="0" y="0"/>
+          <a:chExt cx="0" cy="0"/>
+        </a:xfrm>
+      </p:grpSpPr>
+      <p:sp>
+        <p:nvSpPr>
+          <p:cNvPr id="2" name="Title 1"/>
+          <p:cNvSpPr>
+            <a:spLocks noGrp="1"/>
+          </p:cNvSpPr>
+          <p:nvPr>
+            <p:ph type="title"/>
+          </p:nvPr>
+        </p:nvSpPr>
+        <p:spPr/>
+        <p:txBody>
+          <a:bodyPr/>
+          <a:lstStyle/>
+          <a:p>
+            <a:r>
+              <a:rPr lang="en-US" dirty="0" smtClean="0"/>
+              <a:t>DBI</a:t>
+            </a:r>
+            <a:endParaRPr lang="en-US" dirty="0"/>
+          </a:p>
+        </p:txBody>
+      </p:sp>
+      <p:pic>
+        <p:nvPicPr>
+          <p:cNvPr id="1026" name="Picture 2"/>
+          <p:cNvPicPr>
+            <a:picLocks noChangeAspect="1" noChangeArrowheads="1"/>
+          </p:cNvPicPr>
+          <p:nvPr/>
+        </p:nvPicPr>
+        <p:blipFill>
+          <a:blip r:embed="rId2">
+            <a:extLst>
+              <a:ext uri="{28A0092B-C50C-407E-A947-70E740481C1C}">
+                <a14:useLocalDpi xmlns:a14="http://schemas.microsoft.com/office/drawing/2010/main" val="0"/>
+              </a:ext>
+            </a:extLst>
+          </a:blip>
+          <a:srcRect/>
+          <a:stretch>
+            <a:fillRect/>
+          </a:stretch>
+        </p:blipFill>
+        <p:spPr bwMode="auto">
+          <a:xfrm>
+            <a:off x="2555668" y="1765171"/>
+            <a:ext cx="8926797" cy="4530697"/>
+          </a:xfrm>
+          <a:prstGeom prst="rect">
+            <a:avLst/>
+          </a:prstGeom>
+          <a:noFill/>
+          <a:ln>
+            <a:noFill/>
+          </a:ln>
+          <a:effectLst/>
+          <a:extLst>
+            <a:ext uri="{909E8E84-426E-40DD-AFC4-6F175D3DCCD1}">
+              <a14:hiddenFill xmlns:a14="http://schemas.microsoft.com/office/drawing/2010/main">
+                <a:solidFill>
+                  <a:schemeClr val="accent1"/>
+                </a:solidFill>
+              </a14:hiddenFill>
+            </a:ext>
+            <a:ext uri="{91240B29-F687-4F45-9708-019B960494DF}">
+              <a14:hiddenLine xmlns:a14="http://schemas.microsoft.com/office/drawing/2010/main" w="9525">
+                <a:solidFill>
+                  <a:schemeClr val="tx1"/>
+                </a:solidFill>
+                <a:miter lim="800000"/>
+                <a:headEnd/>
+                <a:tailEnd/>
+              </a14:hiddenLine>
+            </a:ext>
+            <a:ext uri="{AF507438-7753-43E0-B8FC-AC1667EBCBE1}">
+              <a14:hiddenEffects xmlns:a14="http://schemas.microsoft.com/office/drawing/2010/main">
+                <a:effectLst>
+                  <a:outerShdw dist="35921" dir="2700000" algn="ctr" rotWithShape="0">
+                    <a:schemeClr val="bg2"/>
+                  </a:outerShdw>
+                </a:effectLst>
+              </a14:hiddenEffects>
+            </a:ext>
+          </a:extLst>
+        </p:spPr>
+      </p:pic>
+    </p:spTree>
+    <p:extLst>
+      <p:ext uri="{BB962C8B-B14F-4D97-AF65-F5344CB8AC3E}">
+        <p14:creationId xmlns:p14="http://schemas.microsoft.com/office/powerpoint/2010/main" val="3458422236"/>
+      </p:ext>
+    </p:extLst>
+  </p:cSld>
+  <p:clrMapOvr>
+    <a:masterClrMapping/>
+  </p:clrMapOvr>
+</p:sld>
+</file>
+
+<file path=ppt/slides/slide14.xml><?xml version="1.0" encoding="utf-8"?>
+<p:sld xmlns:a="http://schemas.openxmlformats.org/drawingml/2006/main" xmlns:r="http://schemas.openxmlformats.org/officeDocument/2006/relationships" xmlns:p="http://schemas.openxmlformats.org/presentationml/2006/main">
+  <p:cSld>
+    <p:spTree>
+      <p:nvGrpSpPr>
+        <p:cNvPr id="1" name=""/>
+        <p:cNvGrpSpPr/>
+        <p:nvPr/>
+      </p:nvGrpSpPr>
+      <p:grpSpPr>
+        <a:xfrm>
+          <a:off x="0" y="0"/>
+          <a:ext cx="0" cy="0"/>
+          <a:chOff x="0" y="0"/>
+          <a:chExt cx="0" cy="0"/>
+        </a:xfrm>
+      </p:grpSpPr>
+      <p:sp>
+        <p:nvSpPr>
+          <p:cNvPr id="4" name="TextBox 3"/>
+          <p:cNvSpPr txBox="1"/>
+          <p:nvPr/>
+        </p:nvSpPr>
+        <p:spPr>
+          <a:xfrm>
+            <a:off x="3117953" y="2195821"/>
+            <a:ext cx="6636753" cy="1754326"/>
+          </a:xfrm>
+          <a:prstGeom prst="rect">
+            <a:avLst/>
+          </a:prstGeom>
+          <a:noFill/>
+        </p:spPr>
+        <p:txBody>
+          <a:bodyPr wrap="none" rtlCol="0">
+            <a:spAutoFit/>
+          </a:bodyPr>
+          <a:lstStyle/>
+          <a:p>
+            <a:pPr algn="ctr"/>
+            <a:r>
+              <a:rPr lang="en-US" sz="5400" b="1" dirty="0" err="1" smtClean="0">
+                <a:solidFill>
+                  <a:srgbClr val="92D050"/>
+                </a:solidFill>
+                <a:latin typeface="Times New Roman" pitchFamily="18" charset="0"/>
+                <a:cs typeface="Times New Roman" pitchFamily="18" charset="0"/>
+              </a:rPr>
+              <a:t>Cảm</a:t>
+            </a:r>
+            <a:r>
+              <a:rPr lang="en-US" sz="5400" b="1" dirty="0" smtClean="0">
+                <a:solidFill>
+                  <a:srgbClr val="92D050"/>
+                </a:solidFill>
+                <a:latin typeface="Times New Roman" pitchFamily="18" charset="0"/>
+                <a:cs typeface="Times New Roman" pitchFamily="18" charset="0"/>
+              </a:rPr>
+              <a:t> </a:t>
+            </a:r>
+            <a:r>
+              <a:rPr lang="en-US" sz="5400" b="1" dirty="0" err="1" smtClean="0">
+                <a:solidFill>
+                  <a:srgbClr val="92D050"/>
+                </a:solidFill>
+                <a:latin typeface="Times New Roman" pitchFamily="18" charset="0"/>
+                <a:cs typeface="Times New Roman" pitchFamily="18" charset="0"/>
+              </a:rPr>
+              <a:t>ơn</a:t>
+            </a:r>
+            <a:r>
+              <a:rPr lang="en-US" sz="5400" b="1" dirty="0" smtClean="0">
+                <a:solidFill>
+                  <a:srgbClr val="92D050"/>
+                </a:solidFill>
+                <a:latin typeface="Times New Roman" pitchFamily="18" charset="0"/>
+                <a:cs typeface="Times New Roman" pitchFamily="18" charset="0"/>
+              </a:rPr>
+              <a:t> </a:t>
+            </a:r>
+            <a:r>
+              <a:rPr lang="en-US" sz="5400" b="1" dirty="0" err="1" smtClean="0">
+                <a:solidFill>
+                  <a:srgbClr val="92D050"/>
+                </a:solidFill>
+                <a:latin typeface="Times New Roman" pitchFamily="18" charset="0"/>
+                <a:cs typeface="Times New Roman" pitchFamily="18" charset="0"/>
+              </a:rPr>
+              <a:t>mọi</a:t>
+            </a:r>
+            <a:r>
+              <a:rPr lang="en-US" sz="5400" b="1" dirty="0" smtClean="0">
+                <a:solidFill>
+                  <a:srgbClr val="92D050"/>
+                </a:solidFill>
+                <a:latin typeface="Times New Roman" pitchFamily="18" charset="0"/>
+                <a:cs typeface="Times New Roman" pitchFamily="18" charset="0"/>
+              </a:rPr>
+              <a:t> </a:t>
+            </a:r>
+            <a:r>
+              <a:rPr lang="en-US" sz="5400" b="1" dirty="0" err="1" smtClean="0">
+                <a:solidFill>
+                  <a:srgbClr val="92D050"/>
+                </a:solidFill>
+                <a:latin typeface="Times New Roman" pitchFamily="18" charset="0"/>
+                <a:cs typeface="Times New Roman" pitchFamily="18" charset="0"/>
+              </a:rPr>
+              <a:t>người</a:t>
+            </a:r>
+            <a:r>
+              <a:rPr lang="en-US" sz="5400" b="1" dirty="0" smtClean="0">
+                <a:solidFill>
+                  <a:srgbClr val="92D050"/>
+                </a:solidFill>
+                <a:latin typeface="Times New Roman" pitchFamily="18" charset="0"/>
+                <a:cs typeface="Times New Roman" pitchFamily="18" charset="0"/>
+              </a:rPr>
+              <a:t> </a:t>
+            </a:r>
+            <a:r>
+              <a:rPr lang="en-US" sz="5400" b="1" dirty="0" err="1" smtClean="0">
+                <a:solidFill>
+                  <a:srgbClr val="92D050"/>
+                </a:solidFill>
+                <a:latin typeface="Times New Roman" pitchFamily="18" charset="0"/>
+                <a:cs typeface="Times New Roman" pitchFamily="18" charset="0"/>
+              </a:rPr>
+              <a:t>đã</a:t>
+            </a:r>
+            <a:endParaRPr lang="en-US" sz="5400" b="1" dirty="0" smtClean="0">
+              <a:solidFill>
+                <a:srgbClr val="92D050"/>
+              </a:solidFill>
+              <a:latin typeface="Times New Roman" pitchFamily="18" charset="0"/>
+              <a:cs typeface="Times New Roman" pitchFamily="18" charset="0"/>
+            </a:endParaRPr>
+          </a:p>
+          <a:p>
+            <a:pPr algn="ctr"/>
+            <a:r>
+              <a:rPr lang="en-US" sz="5400" b="1" dirty="0" err="1">
+                <a:solidFill>
+                  <a:srgbClr val="92D050"/>
+                </a:solidFill>
+                <a:latin typeface="Times New Roman" pitchFamily="18" charset="0"/>
+                <a:cs typeface="Times New Roman" pitchFamily="18" charset="0"/>
+              </a:rPr>
+              <a:t>l</a:t>
+            </a:r>
+            <a:r>
+              <a:rPr lang="en-US" sz="5400" b="1" dirty="0" err="1" smtClean="0">
+                <a:solidFill>
+                  <a:srgbClr val="92D050"/>
+                </a:solidFill>
+                <a:latin typeface="Times New Roman" pitchFamily="18" charset="0"/>
+                <a:cs typeface="Times New Roman" pitchFamily="18" charset="0"/>
+              </a:rPr>
+              <a:t>ắng</a:t>
+            </a:r>
+            <a:r>
+              <a:rPr lang="en-US" sz="5400" b="1" dirty="0" smtClean="0">
+                <a:solidFill>
+                  <a:srgbClr val="92D050"/>
+                </a:solidFill>
+                <a:latin typeface="Times New Roman" pitchFamily="18" charset="0"/>
+                <a:cs typeface="Times New Roman" pitchFamily="18" charset="0"/>
+              </a:rPr>
+              <a:t> </a:t>
+            </a:r>
+            <a:r>
+              <a:rPr lang="en-US" sz="5400" b="1" dirty="0" err="1" smtClean="0">
+                <a:solidFill>
+                  <a:srgbClr val="92D050"/>
+                </a:solidFill>
+                <a:latin typeface="Times New Roman" pitchFamily="18" charset="0"/>
+                <a:cs typeface="Times New Roman" pitchFamily="18" charset="0"/>
+              </a:rPr>
+              <a:t>nghe</a:t>
+            </a:r>
+            <a:r>
+              <a:rPr lang="en-US" sz="5400" b="1" dirty="0" smtClean="0">
+                <a:solidFill>
+                  <a:srgbClr val="92D050"/>
+                </a:solidFill>
+                <a:latin typeface="Times New Roman" pitchFamily="18" charset="0"/>
+                <a:cs typeface="Times New Roman" pitchFamily="18" charset="0"/>
+              </a:rPr>
+              <a:t>!</a:t>
+            </a:r>
+            <a:endParaRPr lang="en-US" sz="5400" b="1" dirty="0">
+              <a:solidFill>
+                <a:srgbClr val="92D050"/>
+              </a:solidFill>
+              <a:latin typeface="Times New Roman" pitchFamily="18" charset="0"/>
+              <a:cs typeface="Times New Roman" pitchFamily="18" charset="0"/>
+            </a:endParaRPr>
+          </a:p>
+        </p:txBody>
+      </p:sp>
+    </p:spTree>
+    <p:extLst>
+      <p:ext uri="{BB962C8B-B14F-4D97-AF65-F5344CB8AC3E}">
+        <p14:creationId xmlns:p14="http://schemas.microsoft.com/office/powerpoint/2010/main" val="1513464723"/>
       </p:ext>
     </p:extLst>
   </p:cSld>
@@ -7731,18 +8620,23 @@
           <a:lstStyle/>
           <a:p>
             <a:r>
-              <a:rPr lang="en-US" dirty="0" err="1" smtClean="0"/>
+              <a:rPr lang="en-US" b="1" dirty="0" err="1" smtClean="0">
+                <a:latin typeface="Times New Roman" pitchFamily="18" charset="0"/>
+                <a:cs typeface="Times New Roman" pitchFamily="18" charset="0"/>
+              </a:rPr>
               <a:t>Nội</a:t>
             </a:r>
             <a:r>
-              <a:rPr lang="en-US" dirty="0" smtClean="0"/>
-              <a:t> </a:t>
-            </a:r>
-            <a:r>
-              <a:rPr lang="en-US" dirty="0" smtClean="0"/>
-              <a:t>dung</a:t>
-            </a:r>
-            <a:endParaRPr lang="en-US" dirty="0"/>
+              <a:rPr lang="en-US" b="1" dirty="0" smtClean="0">
+                <a:latin typeface="Times New Roman" pitchFamily="18" charset="0"/>
+                <a:cs typeface="Times New Roman" pitchFamily="18" charset="0"/>
+              </a:rPr>
+              <a:t> dung</a:t>
+            </a:r>
+            <a:endParaRPr lang="en-US" b="1" dirty="0">
+              <a:latin typeface="Times New Roman" pitchFamily="18" charset="0"/>
+              <a:cs typeface="Times New Roman" pitchFamily="18" charset="0"/>
+            </a:endParaRPr>
           </a:p>
         </p:txBody>
       </p:sp>
@@ -7758,41 +8652,208 @@
         </p:nvSpPr>
         <p:spPr/>
         <p:txBody>
-          <a:bodyPr/>
+          <a:bodyPr>
+            <a:normAutofit/>
+          </a:bodyPr>
           <a:lstStyle/>
           <a:p>
-            <a:r>
-              <a:rPr lang="en-US" dirty="0" err="1" smtClean="0"/>
+            <a:pPr>
+              <a:buFont typeface="Wingdings" pitchFamily="2" charset="2"/>
+              <a:buChar char="§"/>
+            </a:pPr>
+            <a:r>
+              <a:rPr lang="en-US" sz="3200" b="1" dirty="0" err="1" smtClean="0">
+                <a:latin typeface="Times New Roman" pitchFamily="18" charset="0"/>
+                <a:cs typeface="Times New Roman" pitchFamily="18" charset="0"/>
+              </a:rPr>
               <a:t>Giới</a:t>
             </a:r>
             <a:r>
-              <a:rPr lang="en-US" dirty="0" smtClean="0"/>
+              <a:rPr lang="en-US" sz="3200" b="1" dirty="0" smtClean="0">
+                <a:latin typeface="Times New Roman" pitchFamily="18" charset="0"/>
+                <a:cs typeface="Times New Roman" pitchFamily="18" charset="0"/>
+              </a:rPr>
               <a:t> </a:t>
             </a:r>
             <a:r>
-              <a:rPr lang="en-US" dirty="0" err="1" smtClean="0"/>
+              <a:rPr lang="en-US" sz="3200" b="1" dirty="0" err="1" smtClean="0">
+                <a:latin typeface="Times New Roman" pitchFamily="18" charset="0"/>
+                <a:cs typeface="Times New Roman" pitchFamily="18" charset="0"/>
+              </a:rPr>
               <a:t>thiệu</a:t>
             </a:r>
             <a:r>
-              <a:rPr lang="en-US" dirty="0" smtClean="0"/>
+              <a:rPr lang="en-US" sz="3200" b="1" dirty="0" smtClean="0">
+                <a:latin typeface="Times New Roman" pitchFamily="18" charset="0"/>
+                <a:cs typeface="Times New Roman" pitchFamily="18" charset="0"/>
+              </a:rPr>
               <a:t> </a:t>
             </a:r>
             <a:r>
-              <a:rPr lang="en-US" dirty="0" err="1" smtClean="0"/>
+              <a:rPr lang="en-US" sz="3200" b="1" dirty="0" err="1" smtClean="0">
+                <a:latin typeface="Times New Roman" pitchFamily="18" charset="0"/>
+                <a:cs typeface="Times New Roman" pitchFamily="18" charset="0"/>
+              </a:rPr>
               <a:t>về</a:t>
             </a:r>
             <a:r>
-              <a:rPr lang="en-US" dirty="0" smtClean="0"/>
+              <a:rPr lang="en-US" sz="3200" b="1" dirty="0" smtClean="0">
+                <a:latin typeface="Times New Roman" pitchFamily="18" charset="0"/>
+                <a:cs typeface="Times New Roman" pitchFamily="18" charset="0"/>
+              </a:rPr>
               <a:t> </a:t>
             </a:r>
             <a:r>
-              <a:rPr lang="en-US" dirty="0" err="1" smtClean="0"/>
+              <a:rPr lang="en-US" sz="3200" b="1" dirty="0" err="1" smtClean="0">
+                <a:latin typeface="Times New Roman" pitchFamily="18" charset="0"/>
+                <a:cs typeface="Times New Roman" pitchFamily="18" charset="0"/>
+              </a:rPr>
               <a:t>perl</a:t>
             </a:r>
-            <a:endParaRPr lang="en-US" dirty="0" smtClean="0"/>
-          </a:p>
-          <a:p>
-            <a:endParaRPr lang="en-US" dirty="0"/>
+            <a:endParaRPr lang="en-US" sz="3200" b="1" dirty="0" smtClean="0">
+              <a:latin typeface="Times New Roman" pitchFamily="18" charset="0"/>
+              <a:cs typeface="Times New Roman" pitchFamily="18" charset="0"/>
+            </a:endParaRPr>
+          </a:p>
+          <a:p>
+            <a:pPr>
+              <a:buFont typeface="Wingdings" pitchFamily="2" charset="2"/>
+              <a:buChar char="§"/>
+            </a:pPr>
+            <a:r>
+              <a:rPr lang="en-US" sz="3200" b="1" dirty="0" err="1" smtClean="0">
+                <a:latin typeface="Times New Roman" pitchFamily="18" charset="0"/>
+                <a:cs typeface="Times New Roman" pitchFamily="18" charset="0"/>
+              </a:rPr>
+              <a:t>Kiểu</a:t>
+            </a:r>
+            <a:r>
+              <a:rPr lang="en-US" sz="3200" b="1" dirty="0" smtClean="0">
+                <a:latin typeface="Times New Roman" pitchFamily="18" charset="0"/>
+                <a:cs typeface="Times New Roman" pitchFamily="18" charset="0"/>
+              </a:rPr>
+              <a:t> </a:t>
+            </a:r>
+            <a:r>
+              <a:rPr lang="en-US" sz="3200" b="1" dirty="0" err="1" smtClean="0">
+                <a:latin typeface="Times New Roman" pitchFamily="18" charset="0"/>
+                <a:cs typeface="Times New Roman" pitchFamily="18" charset="0"/>
+              </a:rPr>
+              <a:t>dữ</a:t>
+            </a:r>
+            <a:r>
+              <a:rPr lang="en-US" sz="3200" b="1" dirty="0" smtClean="0">
+                <a:latin typeface="Times New Roman" pitchFamily="18" charset="0"/>
+                <a:cs typeface="Times New Roman" pitchFamily="18" charset="0"/>
+              </a:rPr>
+              <a:t> </a:t>
+            </a:r>
+            <a:r>
+              <a:rPr lang="en-US" sz="3200" b="1" dirty="0" err="1" smtClean="0">
+                <a:latin typeface="Times New Roman" pitchFamily="18" charset="0"/>
+                <a:cs typeface="Times New Roman" pitchFamily="18" charset="0"/>
+              </a:rPr>
+              <a:t>liệu</a:t>
+            </a:r>
+            <a:endParaRPr lang="en-US" sz="3200" b="1" dirty="0" smtClean="0">
+              <a:latin typeface="Times New Roman" pitchFamily="18" charset="0"/>
+              <a:cs typeface="Times New Roman" pitchFamily="18" charset="0"/>
+            </a:endParaRPr>
+          </a:p>
+          <a:p>
+            <a:pPr>
+              <a:buFont typeface="Wingdings" pitchFamily="2" charset="2"/>
+              <a:buChar char="§"/>
+            </a:pPr>
+            <a:r>
+              <a:rPr lang="en-US" sz="3200" b="1" dirty="0" err="1" smtClean="0">
+                <a:latin typeface="Times New Roman" pitchFamily="18" charset="0"/>
+                <a:cs typeface="Times New Roman" pitchFamily="18" charset="0"/>
+              </a:rPr>
+              <a:t>Câu</a:t>
+            </a:r>
+            <a:r>
+              <a:rPr lang="en-US" sz="3200" b="1" dirty="0" smtClean="0">
+                <a:latin typeface="Times New Roman" pitchFamily="18" charset="0"/>
+                <a:cs typeface="Times New Roman" pitchFamily="18" charset="0"/>
+              </a:rPr>
+              <a:t> </a:t>
+            </a:r>
+            <a:r>
+              <a:rPr lang="en-US" sz="3200" b="1" dirty="0" err="1" smtClean="0">
+                <a:latin typeface="Times New Roman" pitchFamily="18" charset="0"/>
+                <a:cs typeface="Times New Roman" pitchFamily="18" charset="0"/>
+              </a:rPr>
+              <a:t>lệnh</a:t>
+            </a:r>
+            <a:r>
+              <a:rPr lang="en-US" sz="3200" b="1" dirty="0" smtClean="0">
+                <a:latin typeface="Times New Roman" pitchFamily="18" charset="0"/>
+                <a:cs typeface="Times New Roman" pitchFamily="18" charset="0"/>
+              </a:rPr>
+              <a:t> </a:t>
+            </a:r>
+            <a:r>
+              <a:rPr lang="en-US" sz="3200" b="1" dirty="0" err="1" smtClean="0">
+                <a:latin typeface="Times New Roman" pitchFamily="18" charset="0"/>
+                <a:cs typeface="Times New Roman" pitchFamily="18" charset="0"/>
+              </a:rPr>
+              <a:t>điều</a:t>
+            </a:r>
+            <a:r>
+              <a:rPr lang="en-US" sz="3200" b="1" dirty="0" smtClean="0">
+                <a:latin typeface="Times New Roman" pitchFamily="18" charset="0"/>
+                <a:cs typeface="Times New Roman" pitchFamily="18" charset="0"/>
+              </a:rPr>
+              <a:t> </a:t>
+            </a:r>
+            <a:r>
+              <a:rPr lang="en-US" sz="3200" b="1" dirty="0" err="1" smtClean="0">
+                <a:latin typeface="Times New Roman" pitchFamily="18" charset="0"/>
+                <a:cs typeface="Times New Roman" pitchFamily="18" charset="0"/>
+              </a:rPr>
+              <a:t>khiển</a:t>
+            </a:r>
+            <a:endParaRPr lang="en-US" sz="3200" b="1" dirty="0" smtClean="0">
+              <a:latin typeface="Times New Roman" pitchFamily="18" charset="0"/>
+              <a:cs typeface="Times New Roman" pitchFamily="18" charset="0"/>
+            </a:endParaRPr>
+          </a:p>
+          <a:p>
+            <a:pPr>
+              <a:buFont typeface="Wingdings" pitchFamily="2" charset="2"/>
+              <a:buChar char="§"/>
+            </a:pPr>
+            <a:r>
+              <a:rPr lang="en-US" sz="3200" b="1" dirty="0" smtClean="0">
+                <a:latin typeface="Times New Roman" pitchFamily="18" charset="0"/>
+                <a:cs typeface="Times New Roman" pitchFamily="18" charset="0"/>
+              </a:rPr>
+              <a:t>CGI</a:t>
+            </a:r>
+          </a:p>
+          <a:p>
+            <a:pPr>
+              <a:buFont typeface="Wingdings" pitchFamily="2" charset="2"/>
+              <a:buChar char="§"/>
+            </a:pPr>
+            <a:r>
+              <a:rPr lang="en-US" sz="3200" b="1" dirty="0" smtClean="0">
+                <a:latin typeface="Times New Roman" pitchFamily="18" charset="0"/>
+                <a:cs typeface="Times New Roman" pitchFamily="18" charset="0"/>
+              </a:rPr>
+              <a:t>DBI</a:t>
+            </a:r>
+          </a:p>
+          <a:p>
+            <a:pPr>
+              <a:buFont typeface="Wingdings" pitchFamily="2" charset="2"/>
+              <a:buChar char="§"/>
+            </a:pPr>
+            <a:endParaRPr lang="en-US" sz="3200" b="1" dirty="0" smtClean="0">
+              <a:latin typeface="Times New Roman" pitchFamily="18" charset="0"/>
+              <a:cs typeface="Times New Roman" pitchFamily="18" charset="0"/>
+            </a:endParaRPr>
           </a:p>
         </p:txBody>
       </p:sp>
@@ -7842,34 +8903,58 @@
           <a:lstStyle/>
           <a:p>
             <a:r>
-              <a:rPr lang="en-US" dirty="0" err="1" smtClean="0"/>
+              <a:rPr lang="en-US" dirty="0" err="1" smtClean="0">
+                <a:latin typeface="Times New Roman" pitchFamily="18" charset="0"/>
+                <a:cs typeface="Times New Roman" pitchFamily="18" charset="0"/>
+              </a:rPr>
               <a:t>Giới</a:t>
             </a:r>
             <a:r>
-              <a:rPr lang="en-US" dirty="0" smtClean="0"/>
+              <a:rPr lang="en-US" dirty="0" smtClean="0">
+                <a:latin typeface="Times New Roman" pitchFamily="18" charset="0"/>
+                <a:cs typeface="Times New Roman" pitchFamily="18" charset="0"/>
+              </a:rPr>
               <a:t> </a:t>
             </a:r>
             <a:r>
-              <a:rPr lang="en-US" dirty="0" err="1" smtClean="0"/>
+              <a:rPr lang="en-US" dirty="0" err="1" smtClean="0">
+                <a:latin typeface="Times New Roman" pitchFamily="18" charset="0"/>
+                <a:cs typeface="Times New Roman" pitchFamily="18" charset="0"/>
+              </a:rPr>
               <a:t>thiệu</a:t>
             </a:r>
             <a:r>
-              <a:rPr lang="en-US" dirty="0" smtClean="0"/>
+              <a:rPr lang="en-US" dirty="0" smtClean="0">
+                <a:latin typeface="Times New Roman" pitchFamily="18" charset="0"/>
+                <a:cs typeface="Times New Roman" pitchFamily="18" charset="0"/>
+              </a:rPr>
               <a:t> </a:t>
             </a:r>
             <a:r>
-              <a:rPr lang="en-US" dirty="0" err="1" smtClean="0"/>
+              <a:rPr lang="en-US" dirty="0" err="1" smtClean="0">
+                <a:latin typeface="Times New Roman" pitchFamily="18" charset="0"/>
+                <a:cs typeface="Times New Roman" pitchFamily="18" charset="0"/>
+              </a:rPr>
               <a:t>về</a:t>
             </a:r>
             <a:r>
-              <a:rPr lang="en-US" dirty="0" smtClean="0"/>
+              <a:rPr lang="en-US" dirty="0" smtClean="0">
+                <a:latin typeface="Times New Roman" pitchFamily="18" charset="0"/>
+                <a:cs typeface="Times New Roman" pitchFamily="18" charset="0"/>
+              </a:rPr>
               <a:t> </a:t>
             </a:r>
             <a:r>
-              <a:rPr lang="en-US" dirty="0" err="1" smtClean="0"/>
+              <a:rPr lang="en-US" dirty="0" err="1" smtClean="0">
+                <a:latin typeface="Times New Roman" pitchFamily="18" charset="0"/>
+                <a:cs typeface="Times New Roman" pitchFamily="18" charset="0"/>
+              </a:rPr>
               <a:t>perl</a:t>
             </a:r>
-            <a:endParaRPr lang="en-US" dirty="0"/>
+            <a:endParaRPr lang="en-US" dirty="0">
+              <a:latin typeface="Times New Roman" pitchFamily="18" charset="0"/>
+              <a:cs typeface="Times New Roman" pitchFamily="18" charset="0"/>
+            </a:endParaRPr>
           </a:p>
         </p:txBody>
       </p:sp>
@@ -7885,7 +8970,9 @@
         </p:nvSpPr>
         <p:spPr/>
         <p:txBody>
-          <a:bodyPr/>
+          <a:bodyPr>
+            <a:normAutofit/>
+          </a:bodyPr>
           <a:lstStyle/>
           <a:p>
             <a:pPr>
@@ -7893,55 +8980,94 @@
               <a:buChar char="§"/>
             </a:pPr>
             <a:r>
-              <a:rPr lang="en-US" dirty="0" err="1" smtClean="0"/>
+              <a:rPr lang="en-US" sz="2400" dirty="0" err="1" smtClean="0">
+                <a:latin typeface="Times New Roman" pitchFamily="18" charset="0"/>
+                <a:cs typeface="Times New Roman" pitchFamily="18" charset="0"/>
+              </a:rPr>
               <a:t>Ngôn</a:t>
             </a:r>
             <a:r>
-              <a:rPr lang="en-US" dirty="0" smtClean="0"/>
+              <a:rPr lang="en-US" sz="2400" dirty="0" smtClean="0">
+                <a:latin typeface="Times New Roman" pitchFamily="18" charset="0"/>
+                <a:cs typeface="Times New Roman" pitchFamily="18" charset="0"/>
+              </a:rPr>
               <a:t> </a:t>
             </a:r>
             <a:r>
-              <a:rPr lang="en-US" dirty="0" err="1" smtClean="0"/>
+              <a:rPr lang="en-US" sz="2400" dirty="0" err="1" smtClean="0">
+                <a:latin typeface="Times New Roman" pitchFamily="18" charset="0"/>
+                <a:cs typeface="Times New Roman" pitchFamily="18" charset="0"/>
+              </a:rPr>
               <a:t>ngữ</a:t>
             </a:r>
             <a:r>
-              <a:rPr lang="en-US" dirty="0" smtClean="0"/>
+              <a:rPr lang="en-US" sz="2400" dirty="0" smtClean="0">
+                <a:latin typeface="Times New Roman" pitchFamily="18" charset="0"/>
+                <a:cs typeface="Times New Roman" pitchFamily="18" charset="0"/>
+              </a:rPr>
               <a:t> Perl (</a:t>
             </a:r>
             <a:r>
-              <a:rPr lang="en-US" dirty="0"/>
+              <a:rPr lang="en-US" sz="2400" dirty="0">
+                <a:latin typeface="Times New Roman" pitchFamily="18" charset="0"/>
+                <a:cs typeface="Times New Roman" pitchFamily="18" charset="0"/>
+              </a:rPr>
               <a:t>Practical Extraction and Report </a:t>
             </a:r>
             <a:r>
-              <a:rPr lang="en-US" dirty="0" smtClean="0"/>
+              <a:rPr lang="en-US" sz="2400" dirty="0" smtClean="0">
+                <a:latin typeface="Times New Roman" pitchFamily="18" charset="0"/>
+                <a:cs typeface="Times New Roman" pitchFamily="18" charset="0"/>
+              </a:rPr>
               <a:t>Language) </a:t>
             </a:r>
             <a:r>
-              <a:rPr lang="vi-VN" dirty="0"/>
+              <a:rPr lang="vi-VN" sz="2400" dirty="0">
+                <a:latin typeface="Times New Roman" pitchFamily="18" charset="0"/>
+                <a:cs typeface="Times New Roman" pitchFamily="18" charset="0"/>
+              </a:rPr>
               <a:t>được Larry Wall xây dựng từ năm 1987, với mục đích chính là tạo ra một </a:t>
             </a:r>
             <a:r>
-              <a:rPr lang="en-US" dirty="0" err="1" smtClean="0"/>
+              <a:rPr lang="en-US" sz="2400" dirty="0" err="1" smtClean="0">
+                <a:latin typeface="Times New Roman" pitchFamily="18" charset="0"/>
+                <a:cs typeface="Times New Roman" pitchFamily="18" charset="0"/>
+              </a:rPr>
               <a:t>ngôn</a:t>
             </a:r>
             <a:r>
-              <a:rPr lang="en-US" dirty="0" smtClean="0"/>
+              <a:rPr lang="en-US" sz="2400" dirty="0" smtClean="0">
+                <a:latin typeface="Times New Roman" pitchFamily="18" charset="0"/>
+                <a:cs typeface="Times New Roman" pitchFamily="18" charset="0"/>
+              </a:rPr>
               <a:t> </a:t>
             </a:r>
             <a:r>
-              <a:rPr lang="en-US" dirty="0" err="1" smtClean="0"/>
+              <a:rPr lang="en-US" sz="2400" dirty="0" err="1" smtClean="0">
+                <a:latin typeface="Times New Roman" pitchFamily="18" charset="0"/>
+                <a:cs typeface="Times New Roman" pitchFamily="18" charset="0"/>
+              </a:rPr>
               <a:t>ngữ</a:t>
             </a:r>
             <a:r>
-              <a:rPr lang="vi-VN" dirty="0"/>
+              <a:rPr lang="vi-VN" sz="2400" dirty="0">
+                <a:latin typeface="Times New Roman" pitchFamily="18" charset="0"/>
+                <a:cs typeface="Times New Roman" pitchFamily="18" charset="0"/>
+              </a:rPr>
               <a:t> lập trình có khả năng chắt lọc một lượng lớn dữ liệu và cho phép xử lý dữ liệu nhằm thu được kết quả cần </a:t>
             </a:r>
             <a:r>
-              <a:rPr lang="vi-VN" dirty="0" smtClean="0"/>
+              <a:rPr lang="vi-VN" sz="2400" dirty="0" smtClean="0">
+                <a:latin typeface="Times New Roman" pitchFamily="18" charset="0"/>
+                <a:cs typeface="Times New Roman" pitchFamily="18" charset="0"/>
+              </a:rPr>
               <a:t>tìm</a:t>
             </a:r>
             <a:r>
-              <a:rPr lang="en-US" dirty="0" smtClean="0"/>
+              <a:rPr lang="en-US" sz="2400" dirty="0" smtClean="0">
+                <a:latin typeface="Times New Roman" pitchFamily="18" charset="0"/>
+                <a:cs typeface="Times New Roman" pitchFamily="18" charset="0"/>
+              </a:rPr>
               <a:t>.</a:t>
             </a:r>
           </a:p>
@@ -7951,98 +9077,170 @@
               <a:buChar char="§"/>
             </a:pPr>
             <a:r>
-              <a:rPr lang="en-US" dirty="0" err="1"/>
+              <a:rPr lang="en-US" sz="2400" dirty="0" err="1">
+                <a:latin typeface="Times New Roman" pitchFamily="18" charset="0"/>
+                <a:cs typeface="Times New Roman" pitchFamily="18" charset="0"/>
+              </a:rPr>
               <a:t>Có</a:t>
             </a:r>
             <a:r>
-              <a:rPr lang="en-US" dirty="0"/>
+              <a:rPr lang="en-US" sz="2400" dirty="0">
+                <a:latin typeface="Times New Roman" pitchFamily="18" charset="0"/>
+                <a:cs typeface="Times New Roman" pitchFamily="18" charset="0"/>
+              </a:rPr>
               <a:t> </a:t>
             </a:r>
             <a:r>
-              <a:rPr lang="en-US" dirty="0" err="1"/>
+              <a:rPr lang="en-US" sz="2400" dirty="0" err="1">
+                <a:latin typeface="Times New Roman" pitchFamily="18" charset="0"/>
+                <a:cs typeface="Times New Roman" pitchFamily="18" charset="0"/>
+              </a:rPr>
               <a:t>các</a:t>
             </a:r>
             <a:r>
-              <a:rPr lang="en-US" dirty="0"/>
+              <a:rPr lang="en-US" sz="2400" dirty="0">
+                <a:latin typeface="Times New Roman" pitchFamily="18" charset="0"/>
+                <a:cs typeface="Times New Roman" pitchFamily="18" charset="0"/>
+              </a:rPr>
               <a:t> </a:t>
             </a:r>
             <a:r>
-              <a:rPr lang="en-US" dirty="0" err="1"/>
+              <a:rPr lang="en-US" sz="2400" dirty="0" err="1">
+                <a:latin typeface="Times New Roman" pitchFamily="18" charset="0"/>
+                <a:cs typeface="Times New Roman" pitchFamily="18" charset="0"/>
+              </a:rPr>
               <a:t>thao</a:t>
             </a:r>
             <a:r>
-              <a:rPr lang="en-US" dirty="0"/>
+              <a:rPr lang="en-US" sz="2400" dirty="0">
+                <a:latin typeface="Times New Roman" pitchFamily="18" charset="0"/>
+                <a:cs typeface="Times New Roman" pitchFamily="18" charset="0"/>
+              </a:rPr>
               <a:t> </a:t>
             </a:r>
             <a:r>
-              <a:rPr lang="en-US" dirty="0" err="1"/>
+              <a:rPr lang="en-US" sz="2400" dirty="0" err="1">
+                <a:latin typeface="Times New Roman" pitchFamily="18" charset="0"/>
+                <a:cs typeface="Times New Roman" pitchFamily="18" charset="0"/>
+              </a:rPr>
               <a:t>tác</a:t>
             </a:r>
             <a:r>
-              <a:rPr lang="en-US" dirty="0"/>
+              <a:rPr lang="en-US" sz="2400" dirty="0">
+                <a:latin typeface="Times New Roman" pitchFamily="18" charset="0"/>
+                <a:cs typeface="Times New Roman" pitchFamily="18" charset="0"/>
+              </a:rPr>
               <a:t> </a:t>
             </a:r>
             <a:r>
-              <a:rPr lang="en-US" dirty="0" err="1"/>
+              <a:rPr lang="en-US" sz="2400" dirty="0" err="1">
+                <a:latin typeface="Times New Roman" pitchFamily="18" charset="0"/>
+                <a:cs typeface="Times New Roman" pitchFamily="18" charset="0"/>
+              </a:rPr>
               <a:t>quản</a:t>
             </a:r>
             <a:r>
-              <a:rPr lang="en-US" dirty="0"/>
+              <a:rPr lang="en-US" sz="2400" dirty="0">
+                <a:latin typeface="Times New Roman" pitchFamily="18" charset="0"/>
+                <a:cs typeface="Times New Roman" pitchFamily="18" charset="0"/>
+              </a:rPr>
               <a:t> </a:t>
             </a:r>
             <a:r>
-              <a:rPr lang="en-US" dirty="0" err="1"/>
+              <a:rPr lang="en-US" sz="2400" dirty="0" err="1">
+                <a:latin typeface="Times New Roman" pitchFamily="18" charset="0"/>
+                <a:cs typeface="Times New Roman" pitchFamily="18" charset="0"/>
+              </a:rPr>
               <a:t>lí</a:t>
             </a:r>
             <a:r>
-              <a:rPr lang="en-US" dirty="0"/>
+              <a:rPr lang="en-US" sz="2400" dirty="0">
+                <a:latin typeface="Times New Roman" pitchFamily="18" charset="0"/>
+                <a:cs typeface="Times New Roman" pitchFamily="18" charset="0"/>
+              </a:rPr>
               <a:t> </a:t>
             </a:r>
             <a:r>
-              <a:rPr lang="en-US" dirty="0" err="1"/>
+              <a:rPr lang="en-US" sz="2400" dirty="0" err="1">
+                <a:latin typeface="Times New Roman" pitchFamily="18" charset="0"/>
+                <a:cs typeface="Times New Roman" pitchFamily="18" charset="0"/>
+              </a:rPr>
               <a:t>tập</a:t>
             </a:r>
             <a:r>
-              <a:rPr lang="en-US" dirty="0"/>
+              <a:rPr lang="en-US" sz="2400" dirty="0">
+                <a:latin typeface="Times New Roman" pitchFamily="18" charset="0"/>
+                <a:cs typeface="Times New Roman" pitchFamily="18" charset="0"/>
+              </a:rPr>
               <a:t> tin, </a:t>
             </a:r>
             <a:r>
-              <a:rPr lang="en-US" dirty="0" err="1"/>
+              <a:rPr lang="en-US" sz="2400" dirty="0" err="1">
+                <a:latin typeface="Times New Roman" pitchFamily="18" charset="0"/>
+                <a:cs typeface="Times New Roman" pitchFamily="18" charset="0"/>
+              </a:rPr>
               <a:t>xử</a:t>
             </a:r>
             <a:r>
-              <a:rPr lang="en-US" dirty="0"/>
+              <a:rPr lang="en-US" sz="2400" dirty="0">
+                <a:latin typeface="Times New Roman" pitchFamily="18" charset="0"/>
+                <a:cs typeface="Times New Roman" pitchFamily="18" charset="0"/>
+              </a:rPr>
               <a:t> </a:t>
             </a:r>
             <a:r>
-              <a:rPr lang="en-US" dirty="0" err="1"/>
+              <a:rPr lang="en-US" sz="2400" dirty="0" err="1">
+                <a:latin typeface="Times New Roman" pitchFamily="18" charset="0"/>
+                <a:cs typeface="Times New Roman" pitchFamily="18" charset="0"/>
+              </a:rPr>
               <a:t>lí</a:t>
             </a:r>
             <a:r>
-              <a:rPr lang="en-US" dirty="0"/>
+              <a:rPr lang="en-US" sz="2400" dirty="0">
+                <a:latin typeface="Times New Roman" pitchFamily="18" charset="0"/>
+                <a:cs typeface="Times New Roman" pitchFamily="18" charset="0"/>
+              </a:rPr>
               <a:t> </a:t>
             </a:r>
             <a:r>
-              <a:rPr lang="en-US" dirty="0" err="1"/>
+              <a:rPr lang="en-US" sz="2400" dirty="0" err="1">
+                <a:latin typeface="Times New Roman" pitchFamily="18" charset="0"/>
+                <a:cs typeface="Times New Roman" pitchFamily="18" charset="0"/>
+              </a:rPr>
               <a:t>thông</a:t>
             </a:r>
             <a:r>
-              <a:rPr lang="en-US" dirty="0"/>
+              <a:rPr lang="en-US" sz="2400" dirty="0">
+                <a:latin typeface="Times New Roman" pitchFamily="18" charset="0"/>
+                <a:cs typeface="Times New Roman" pitchFamily="18" charset="0"/>
+              </a:rPr>
               <a:t> tin </a:t>
             </a:r>
             <a:r>
-              <a:rPr lang="en-US" dirty="0" err="1"/>
+              <a:rPr lang="en-US" sz="2400" dirty="0" err="1">
+                <a:latin typeface="Times New Roman" pitchFamily="18" charset="0"/>
+                <a:cs typeface="Times New Roman" pitchFamily="18" charset="0"/>
+              </a:rPr>
               <a:t>thuận</a:t>
             </a:r>
             <a:r>
-              <a:rPr lang="en-US" dirty="0"/>
+              <a:rPr lang="en-US" sz="2400" dirty="0">
+                <a:latin typeface="Times New Roman" pitchFamily="18" charset="0"/>
+                <a:cs typeface="Times New Roman" pitchFamily="18" charset="0"/>
+              </a:rPr>
               <a:t> </a:t>
             </a:r>
             <a:r>
-              <a:rPr lang="en-US" dirty="0" err="1" smtClean="0"/>
+              <a:rPr lang="en-US" sz="2400" dirty="0" err="1" smtClean="0">
+                <a:latin typeface="Times New Roman" pitchFamily="18" charset="0"/>
+                <a:cs typeface="Times New Roman" pitchFamily="18" charset="0"/>
+              </a:rPr>
               <a:t>tiện</a:t>
             </a:r>
-            <a:endParaRPr lang="en-US" dirty="0" smtClean="0"/>
+            <a:endParaRPr lang="en-US" sz="2400" dirty="0" smtClean="0">
+              <a:latin typeface="Times New Roman" pitchFamily="18" charset="0"/>
+              <a:cs typeface="Times New Roman" pitchFamily="18" charset="0"/>
+            </a:endParaRPr>
           </a:p>
           <a:p>
             <a:pPr>
@@ -8050,66 +9248,114 @@
               <a:buChar char="§"/>
             </a:pPr>
             <a:r>
-              <a:rPr lang="en-US" dirty="0" err="1"/>
+              <a:rPr lang="en-US" sz="2400" dirty="0" err="1">
+                <a:latin typeface="Times New Roman" pitchFamily="18" charset="0"/>
+                <a:cs typeface="Times New Roman" pitchFamily="18" charset="0"/>
+              </a:rPr>
               <a:t>Thao</a:t>
             </a:r>
             <a:r>
-              <a:rPr lang="en-US" dirty="0"/>
+              <a:rPr lang="en-US" sz="2400" dirty="0">
+                <a:latin typeface="Times New Roman" pitchFamily="18" charset="0"/>
+                <a:cs typeface="Times New Roman" pitchFamily="18" charset="0"/>
+              </a:rPr>
               <a:t> </a:t>
             </a:r>
             <a:r>
-              <a:rPr lang="en-US" dirty="0" err="1"/>
+              <a:rPr lang="en-US" sz="2400" dirty="0" err="1">
+                <a:latin typeface="Times New Roman" pitchFamily="18" charset="0"/>
+                <a:cs typeface="Times New Roman" pitchFamily="18" charset="0"/>
+              </a:rPr>
               <a:t>tác</a:t>
             </a:r>
             <a:r>
-              <a:rPr lang="en-US" dirty="0"/>
+              <a:rPr lang="en-US" sz="2400" dirty="0">
+                <a:latin typeface="Times New Roman" pitchFamily="18" charset="0"/>
+                <a:cs typeface="Times New Roman" pitchFamily="18" charset="0"/>
+              </a:rPr>
               <a:t> </a:t>
             </a:r>
             <a:r>
-              <a:rPr lang="en-US" dirty="0" err="1"/>
+              <a:rPr lang="en-US" sz="2400" dirty="0" err="1">
+                <a:latin typeface="Times New Roman" pitchFamily="18" charset="0"/>
+                <a:cs typeface="Times New Roman" pitchFamily="18" charset="0"/>
+              </a:rPr>
               <a:t>với</a:t>
             </a:r>
             <a:r>
-              <a:rPr lang="en-US" dirty="0"/>
+              <a:rPr lang="en-US" sz="2400" dirty="0">
+                <a:latin typeface="Times New Roman" pitchFamily="18" charset="0"/>
+                <a:cs typeface="Times New Roman" pitchFamily="18" charset="0"/>
+              </a:rPr>
               <a:t> </a:t>
             </a:r>
             <a:r>
-              <a:rPr lang="en-US" dirty="0" err="1"/>
+              <a:rPr lang="en-US" sz="2400" dirty="0" err="1">
+                <a:latin typeface="Times New Roman" pitchFamily="18" charset="0"/>
+                <a:cs typeface="Times New Roman" pitchFamily="18" charset="0"/>
+              </a:rPr>
               <a:t>chuỗi</a:t>
             </a:r>
             <a:r>
-              <a:rPr lang="en-US" dirty="0"/>
+              <a:rPr lang="en-US" sz="2400" dirty="0">
+                <a:latin typeface="Times New Roman" pitchFamily="18" charset="0"/>
+                <a:cs typeface="Times New Roman" pitchFamily="18" charset="0"/>
+              </a:rPr>
               <a:t> </a:t>
             </a:r>
             <a:r>
-              <a:rPr lang="en-US" dirty="0" err="1"/>
+              <a:rPr lang="en-US" sz="2400" dirty="0" err="1">
+                <a:latin typeface="Times New Roman" pitchFamily="18" charset="0"/>
+                <a:cs typeface="Times New Roman" pitchFamily="18" charset="0"/>
+              </a:rPr>
               <a:t>kí</a:t>
             </a:r>
             <a:r>
-              <a:rPr lang="en-US" dirty="0"/>
+              <a:rPr lang="en-US" sz="2400" dirty="0">
+                <a:latin typeface="Times New Roman" pitchFamily="18" charset="0"/>
+                <a:cs typeface="Times New Roman" pitchFamily="18" charset="0"/>
+              </a:rPr>
               <a:t> </a:t>
             </a:r>
             <a:r>
-              <a:rPr lang="en-US" dirty="0" err="1"/>
+              <a:rPr lang="en-US" sz="2400" dirty="0" err="1">
+                <a:latin typeface="Times New Roman" pitchFamily="18" charset="0"/>
+                <a:cs typeface="Times New Roman" pitchFamily="18" charset="0"/>
+              </a:rPr>
               <a:t>tự</a:t>
             </a:r>
             <a:r>
-              <a:rPr lang="en-US" dirty="0"/>
+              <a:rPr lang="en-US" sz="2400" dirty="0">
+                <a:latin typeface="Times New Roman" pitchFamily="18" charset="0"/>
+                <a:cs typeface="Times New Roman" pitchFamily="18" charset="0"/>
+              </a:rPr>
               <a:t> </a:t>
             </a:r>
             <a:r>
-              <a:rPr lang="en-US" dirty="0" err="1"/>
+              <a:rPr lang="en-US" sz="2400" dirty="0" err="1">
+                <a:latin typeface="Times New Roman" pitchFamily="18" charset="0"/>
+                <a:cs typeface="Times New Roman" pitchFamily="18" charset="0"/>
+              </a:rPr>
               <a:t>rất</a:t>
             </a:r>
             <a:r>
-              <a:rPr lang="en-US" dirty="0"/>
+              <a:rPr lang="en-US" sz="2400" dirty="0">
+                <a:latin typeface="Times New Roman" pitchFamily="18" charset="0"/>
+                <a:cs typeface="Times New Roman" pitchFamily="18" charset="0"/>
+              </a:rPr>
               <a:t> </a:t>
             </a:r>
             <a:r>
-              <a:rPr lang="en-US" dirty="0" err="1" smtClean="0"/>
+              <a:rPr lang="en-US" sz="2400" dirty="0" err="1" smtClean="0">
+                <a:latin typeface="Times New Roman" pitchFamily="18" charset="0"/>
+                <a:cs typeface="Times New Roman" pitchFamily="18" charset="0"/>
+              </a:rPr>
               <a:t>tốt</a:t>
             </a:r>
-            <a:endParaRPr lang="en-US" dirty="0" smtClean="0"/>
+            <a:endParaRPr lang="en-US" sz="2400" dirty="0" smtClean="0">
+              <a:latin typeface="Times New Roman" pitchFamily="18" charset="0"/>
+              <a:cs typeface="Times New Roman" pitchFamily="18" charset="0"/>
+            </a:endParaRPr>
           </a:p>
           <a:p>
             <a:pPr>
@@ -8117,46 +9363,91 @@
               <a:buChar char="§"/>
             </a:pPr>
             <a:r>
-              <a:rPr lang="en-US" dirty="0" err="1" smtClean="0"/>
+              <a:rPr lang="en-US" sz="2400" dirty="0" err="1" smtClean="0">
+                <a:latin typeface="Times New Roman" pitchFamily="18" charset="0"/>
+                <a:cs typeface="Times New Roman" pitchFamily="18" charset="0"/>
+              </a:rPr>
               <a:t>Thư</a:t>
             </a:r>
             <a:r>
-              <a:rPr lang="en-US" dirty="0" smtClean="0"/>
+              <a:rPr lang="en-US" sz="2400" dirty="0" smtClean="0">
+                <a:latin typeface="Times New Roman" pitchFamily="18" charset="0"/>
+                <a:cs typeface="Times New Roman" pitchFamily="18" charset="0"/>
+              </a:rPr>
               <a:t> </a:t>
             </a:r>
             <a:r>
-              <a:rPr lang="en-US" dirty="0" err="1" smtClean="0"/>
+              <a:rPr lang="en-US" sz="2400" dirty="0" err="1" smtClean="0">
+                <a:latin typeface="Times New Roman" pitchFamily="18" charset="0"/>
+                <a:cs typeface="Times New Roman" pitchFamily="18" charset="0"/>
+              </a:rPr>
               <a:t>viện</a:t>
             </a:r>
             <a:r>
-              <a:rPr lang="en-US" dirty="0" smtClean="0"/>
+              <a:rPr lang="en-US" sz="2400" dirty="0" smtClean="0">
+                <a:latin typeface="Times New Roman" pitchFamily="18" charset="0"/>
+                <a:cs typeface="Times New Roman" pitchFamily="18" charset="0"/>
+              </a:rPr>
               <a:t> </a:t>
             </a:r>
             <a:r>
-              <a:rPr lang="en-US" dirty="0" err="1" smtClean="0"/>
+              <a:rPr lang="en-US" sz="2400" dirty="0" err="1" smtClean="0">
+                <a:latin typeface="Times New Roman" pitchFamily="18" charset="0"/>
+                <a:cs typeface="Times New Roman" pitchFamily="18" charset="0"/>
+              </a:rPr>
               <a:t>mã</a:t>
             </a:r>
             <a:r>
-              <a:rPr lang="en-US" dirty="0" smtClean="0"/>
+              <a:rPr lang="en-US" sz="2400" dirty="0" smtClean="0">
+                <a:latin typeface="Times New Roman" pitchFamily="18" charset="0"/>
+                <a:cs typeface="Times New Roman" pitchFamily="18" charset="0"/>
+              </a:rPr>
               <a:t> </a:t>
             </a:r>
             <a:r>
-              <a:rPr lang="en-US" dirty="0" err="1" smtClean="0"/>
+              <a:rPr lang="en-US" sz="2400" dirty="0" err="1" smtClean="0">
+                <a:latin typeface="Times New Roman" pitchFamily="18" charset="0"/>
+                <a:cs typeface="Times New Roman" pitchFamily="18" charset="0"/>
+              </a:rPr>
               <a:t>lênh</a:t>
             </a:r>
             <a:r>
-              <a:rPr lang="en-US" dirty="0" smtClean="0"/>
+              <a:rPr lang="en-US" sz="2400" dirty="0" smtClean="0">
+                <a:latin typeface="Times New Roman" pitchFamily="18" charset="0"/>
+                <a:cs typeface="Times New Roman" pitchFamily="18" charset="0"/>
+              </a:rPr>
               <a:t> </a:t>
             </a:r>
             <a:r>
-              <a:rPr lang="en-US" dirty="0" err="1" smtClean="0"/>
+              <a:rPr lang="en-US" sz="2400" dirty="0" err="1" smtClean="0">
+                <a:latin typeface="Times New Roman" pitchFamily="18" charset="0"/>
+                <a:cs typeface="Times New Roman" pitchFamily="18" charset="0"/>
+              </a:rPr>
               <a:t>lớn</a:t>
             </a:r>
             <a:r>
-              <a:rPr lang="en-US" dirty="0" smtClean="0"/>
-              <a:t> (CPAN)</a:t>
-            </a:r>
-            <a:endParaRPr lang="en-US" dirty="0"/>
+              <a:rPr lang="en-US" sz="2400" dirty="0" smtClean="0">
+                <a:latin typeface="Times New Roman" pitchFamily="18" charset="0"/>
+                <a:cs typeface="Times New Roman" pitchFamily="18" charset="0"/>
+              </a:rPr>
+              <a:t> (CPAN</a:t>
+            </a:r>
+            <a:r>
+              <a:rPr lang="en-US" sz="2400" dirty="0" smtClean="0">
+                <a:latin typeface="Times New Roman" pitchFamily="18" charset="0"/>
+                <a:cs typeface="Times New Roman" pitchFamily="18" charset="0"/>
+              </a:rPr>
+              <a:t>)</a:t>
+            </a:r>
+          </a:p>
+          <a:p>
+            <a:pPr marL="0" indent="0">
+              <a:buNone/>
+            </a:pPr>
+            <a:endParaRPr lang="en-US" sz="2400" dirty="0">
+              <a:latin typeface="Times New Roman" pitchFamily="18" charset="0"/>
+              <a:cs typeface="Times New Roman" pitchFamily="18" charset="0"/>
+            </a:endParaRPr>
           </a:p>
         </p:txBody>
       </p:sp>
@@ -8170,6 +9461,13 @@
   <p:clrMapOvr>
     <a:masterClrMapping/>
   </p:clrMapOvr>
+  <p:timing>
+    <p:tnLst>
+      <p:par>
+        <p:cTn id="1" dur="indefinite" restart="never" nodeType="tmRoot"/>
+      </p:par>
+    </p:tnLst>
+  </p:timing>
 </p:sld>
 </file>
 
@@ -8206,15 +9504,43 @@
           <a:lstStyle/>
           <a:p>
             <a:r>
-              <a:rPr lang="vi-VN" b="1" dirty="0">
-                <a:latin typeface="Times New Roman" panose="02020603050405020304" pitchFamily="18" charset="0"/>
-                <a:cs typeface="Times New Roman" panose="02020603050405020304" pitchFamily="18" charset="0"/>
-              </a:rPr>
-              <a:t>Chương Trình Đầu Tiên</a:t>
+              <a:rPr lang="en-US" dirty="0" err="1" smtClean="0">
+                <a:latin typeface="Times New Roman" pitchFamily="18" charset="0"/>
+                <a:cs typeface="Times New Roman" pitchFamily="18" charset="0"/>
+              </a:rPr>
+              <a:t>Kiểu</a:t>
+            </a:r>
+            <a:r>
+              <a:rPr lang="en-US" dirty="0" smtClean="0">
+                <a:latin typeface="Times New Roman" pitchFamily="18" charset="0"/>
+                <a:cs typeface="Times New Roman" pitchFamily="18" charset="0"/>
+              </a:rPr>
+              <a:t> </a:t>
+            </a:r>
+            <a:r>
+              <a:rPr lang="en-US" dirty="0" err="1" smtClean="0">
+                <a:latin typeface="Times New Roman" pitchFamily="18" charset="0"/>
+                <a:cs typeface="Times New Roman" pitchFamily="18" charset="0"/>
+              </a:rPr>
+              <a:t>dữ</a:t>
+            </a:r>
+            <a:r>
+              <a:rPr lang="en-US" dirty="0" smtClean="0">
+                <a:latin typeface="Times New Roman" pitchFamily="18" charset="0"/>
+                <a:cs typeface="Times New Roman" pitchFamily="18" charset="0"/>
+              </a:rPr>
+              <a:t> </a:t>
+            </a:r>
+            <a:r>
+              <a:rPr lang="en-US" dirty="0" err="1" smtClean="0">
+                <a:latin typeface="Times New Roman" pitchFamily="18" charset="0"/>
+                <a:cs typeface="Times New Roman" pitchFamily="18" charset="0"/>
+              </a:rPr>
+              <a:t>liệu</a:t>
             </a:r>
             <a:endParaRPr lang="en-US" dirty="0">
-              <a:latin typeface="Times New Roman" panose="02020603050405020304" pitchFamily="18" charset="0"/>
-              <a:cs typeface="Times New Roman" panose="02020603050405020304" pitchFamily="18" charset="0"/>
+              <a:latin typeface="Times New Roman" pitchFamily="18" charset="0"/>
+              <a:cs typeface="Times New Roman" pitchFamily="18" charset="0"/>
             </a:endParaRPr>
           </a:p>
         </p:txBody>
@@ -8229,32 +9555,422 @@
             <p:ph idx="1"/>
           </p:nvPr>
         </p:nvSpPr>
-        <p:spPr/>
-        <p:txBody>
-          <a:bodyPr/>
+        <p:spPr>
+          <a:xfrm>
+            <a:off x="2533332" y="1554480"/>
+            <a:ext cx="8915400" cy="3777622"/>
+          </a:xfrm>
+        </p:spPr>
+        <p:txBody>
+          <a:bodyPr>
+            <a:noAutofit/>
+          </a:bodyPr>
           <a:lstStyle/>
           <a:p>
             <a:pPr marL="0" indent="0">
               <a:buNone/>
             </a:pPr>
             <a:r>
-              <a:rPr lang="en-US" dirty="0" smtClean="0"/>
-              <a:t>$a = </a:t>
-            </a:r>
-            <a:endParaRPr lang="en-US" dirty="0"/>
+              <a:rPr lang="en-US" sz="2000" b="1" dirty="0" smtClean="0">
+                <a:latin typeface="Times New Roman" pitchFamily="18" charset="0"/>
+                <a:cs typeface="Times New Roman" pitchFamily="18" charset="0"/>
+              </a:rPr>
+              <a:t>Perl </a:t>
+            </a:r>
+            <a:r>
+              <a:rPr lang="en-US" sz="2000" b="1" dirty="0" err="1" smtClean="0">
+                <a:latin typeface="Times New Roman" pitchFamily="18" charset="0"/>
+                <a:cs typeface="Times New Roman" pitchFamily="18" charset="0"/>
+              </a:rPr>
+              <a:t>có</a:t>
+            </a:r>
+            <a:r>
+              <a:rPr lang="en-US" sz="2000" b="1" dirty="0" smtClean="0">
+                <a:latin typeface="Times New Roman" pitchFamily="18" charset="0"/>
+                <a:cs typeface="Times New Roman" pitchFamily="18" charset="0"/>
+              </a:rPr>
+              <a:t> 3 </a:t>
+            </a:r>
+            <a:r>
+              <a:rPr lang="en-US" sz="2000" b="1" dirty="0" err="1" smtClean="0">
+                <a:latin typeface="Times New Roman" pitchFamily="18" charset="0"/>
+                <a:cs typeface="Times New Roman" pitchFamily="18" charset="0"/>
+              </a:rPr>
+              <a:t>kiểu</a:t>
+            </a:r>
+            <a:r>
+              <a:rPr lang="en-US" sz="2000" b="1" dirty="0" smtClean="0">
+                <a:latin typeface="Times New Roman" pitchFamily="18" charset="0"/>
+                <a:cs typeface="Times New Roman" pitchFamily="18" charset="0"/>
+              </a:rPr>
+              <a:t> </a:t>
+            </a:r>
+            <a:r>
+              <a:rPr lang="en-US" sz="2000" b="1" dirty="0" err="1" smtClean="0">
+                <a:latin typeface="Times New Roman" pitchFamily="18" charset="0"/>
+                <a:cs typeface="Times New Roman" pitchFamily="18" charset="0"/>
+              </a:rPr>
+              <a:t>đữ</a:t>
+            </a:r>
+            <a:r>
+              <a:rPr lang="en-US" sz="2000" b="1" dirty="0" smtClean="0">
+                <a:latin typeface="Times New Roman" pitchFamily="18" charset="0"/>
+                <a:cs typeface="Times New Roman" pitchFamily="18" charset="0"/>
+              </a:rPr>
+              <a:t> </a:t>
+            </a:r>
+            <a:r>
+              <a:rPr lang="en-US" sz="2000" b="1" dirty="0" err="1" smtClean="0">
+                <a:latin typeface="Times New Roman" pitchFamily="18" charset="0"/>
+                <a:cs typeface="Times New Roman" pitchFamily="18" charset="0"/>
+              </a:rPr>
+              <a:t>liệu</a:t>
+            </a:r>
+            <a:r>
+              <a:rPr lang="en-US" sz="2000" b="1" dirty="0" smtClean="0">
+                <a:latin typeface="Times New Roman" pitchFamily="18" charset="0"/>
+                <a:cs typeface="Times New Roman" pitchFamily="18" charset="0"/>
+              </a:rPr>
+              <a:t>: </a:t>
+            </a:r>
+          </a:p>
+          <a:p>
+            <a:pPr marL="0" indent="0">
+              <a:buNone/>
+            </a:pPr>
+            <a:r>
+              <a:rPr lang="en-US" sz="1600" b="1" dirty="0">
+                <a:latin typeface="Times New Roman" pitchFamily="18" charset="0"/>
+                <a:cs typeface="Times New Roman" pitchFamily="18" charset="0"/>
+              </a:rPr>
+              <a:t>	</a:t>
+            </a:r>
+            <a:r>
+              <a:rPr lang="en-US" sz="2000" b="1" dirty="0" smtClean="0">
+                <a:latin typeface="Times New Roman" pitchFamily="18" charset="0"/>
+                <a:cs typeface="Times New Roman" pitchFamily="18" charset="0"/>
+              </a:rPr>
+              <a:t>Scalars</a:t>
+            </a:r>
+          </a:p>
+          <a:p>
+            <a:pPr marL="0" indent="0">
+              <a:buNone/>
+            </a:pPr>
+            <a:r>
+              <a:rPr lang="en-US" sz="1600" b="1" dirty="0">
+                <a:latin typeface="Times New Roman" pitchFamily="18" charset="0"/>
+                <a:cs typeface="Times New Roman" pitchFamily="18" charset="0"/>
+              </a:rPr>
+              <a:t>	</a:t>
+            </a:r>
+            <a:r>
+              <a:rPr lang="en-US" sz="1600" b="1" dirty="0">
+                <a:latin typeface="Times New Roman" pitchFamily="18" charset="0"/>
+                <a:cs typeface="Times New Roman" pitchFamily="18" charset="0"/>
+              </a:rPr>
+              <a:t>	</a:t>
+            </a:r>
+            <a:r>
+              <a:rPr lang="en-US" sz="1600" dirty="0" smtClean="0">
+                <a:latin typeface="Times New Roman" pitchFamily="18" charset="0"/>
+                <a:cs typeface="Times New Roman" pitchFamily="18" charset="0"/>
+              </a:rPr>
+              <a:t>$animal = ‘string’;</a:t>
+            </a:r>
+          </a:p>
+          <a:p>
+            <a:pPr marL="0" indent="0">
+              <a:buNone/>
+            </a:pPr>
+            <a:r>
+              <a:rPr lang="en-US" sz="1600" dirty="0" smtClean="0">
+                <a:latin typeface="Times New Roman" pitchFamily="18" charset="0"/>
+                <a:cs typeface="Times New Roman" pitchFamily="18" charset="0"/>
+              </a:rPr>
+              <a:t>		$number= 42;</a:t>
+            </a:r>
+          </a:p>
+          <a:p>
+            <a:pPr marL="0" indent="0">
+              <a:buNone/>
+            </a:pPr>
+            <a:r>
+              <a:rPr lang="en-US" sz="1600" dirty="0">
+                <a:latin typeface="Times New Roman" pitchFamily="18" charset="0"/>
+                <a:cs typeface="Times New Roman" pitchFamily="18" charset="0"/>
+              </a:rPr>
+              <a:t>	</a:t>
+            </a:r>
+            <a:r>
+              <a:rPr lang="en-US" sz="2000" b="1" dirty="0" smtClean="0">
+                <a:latin typeface="Times New Roman" pitchFamily="18" charset="0"/>
+                <a:cs typeface="Times New Roman" pitchFamily="18" charset="0"/>
+              </a:rPr>
+              <a:t>Arrays</a:t>
+            </a:r>
+          </a:p>
+          <a:p>
+            <a:pPr marL="0" indent="0">
+              <a:buNone/>
+            </a:pPr>
+            <a:r>
+              <a:rPr lang="en-US" sz="1600" b="1" dirty="0">
+                <a:latin typeface="Times New Roman" pitchFamily="18" charset="0"/>
+                <a:cs typeface="Times New Roman" pitchFamily="18" charset="0"/>
+              </a:rPr>
+              <a:t>	</a:t>
+            </a:r>
+            <a:r>
+              <a:rPr lang="en-US" sz="1600" b="1" dirty="0" smtClean="0">
+                <a:latin typeface="Times New Roman" pitchFamily="18" charset="0"/>
+                <a:cs typeface="Times New Roman" pitchFamily="18" charset="0"/>
+              </a:rPr>
+              <a:t>	</a:t>
+            </a:r>
+            <a:r>
+              <a:rPr lang="en-US" sz="1600" dirty="0" smtClean="0">
+                <a:latin typeface="Times New Roman" pitchFamily="18" charset="0"/>
+                <a:cs typeface="Times New Roman" pitchFamily="18" charset="0"/>
+              </a:rPr>
+              <a:t>@</a:t>
+            </a:r>
+            <a:r>
+              <a:rPr lang="en-US" sz="1600" dirty="0" smtClean="0">
+                <a:latin typeface="Times New Roman" pitchFamily="18" charset="0"/>
+                <a:cs typeface="Times New Roman" pitchFamily="18" charset="0"/>
+              </a:rPr>
+              <a:t>animals = (‘camel’, ‘lama’);</a:t>
+            </a:r>
+          </a:p>
+          <a:p>
+            <a:pPr marL="0" indent="0">
+              <a:buNone/>
+            </a:pPr>
+            <a:r>
+              <a:rPr lang="en-US" sz="1600" b="1" dirty="0">
+                <a:latin typeface="Times New Roman" pitchFamily="18" charset="0"/>
+                <a:cs typeface="Times New Roman" pitchFamily="18" charset="0"/>
+              </a:rPr>
+              <a:t>	</a:t>
+            </a:r>
+            <a:r>
+              <a:rPr lang="en-US" sz="1600" b="1" dirty="0" smtClean="0">
+                <a:latin typeface="Times New Roman" pitchFamily="18" charset="0"/>
+                <a:cs typeface="Times New Roman" pitchFamily="18" charset="0"/>
+              </a:rPr>
+              <a:t>	</a:t>
+            </a:r>
+            <a:r>
+              <a:rPr lang="en-US" sz="1600" dirty="0" smtClean="0">
+                <a:latin typeface="Times New Roman" pitchFamily="18" charset="0"/>
+                <a:cs typeface="Times New Roman" pitchFamily="18" charset="0"/>
+              </a:rPr>
+              <a:t>@</a:t>
+            </a:r>
+            <a:r>
+              <a:rPr lang="en-US" sz="1600" dirty="0" smtClean="0">
+                <a:latin typeface="Times New Roman" pitchFamily="18" charset="0"/>
+                <a:cs typeface="Times New Roman" pitchFamily="18" charset="0"/>
+              </a:rPr>
+              <a:t>numbers = (23, 42, 87);</a:t>
+            </a:r>
+          </a:p>
+          <a:p>
+            <a:pPr marL="0" indent="0">
+              <a:buNone/>
+            </a:pPr>
+            <a:r>
+              <a:rPr lang="en-US" sz="1600" b="1" dirty="0">
+                <a:latin typeface="Times New Roman" pitchFamily="18" charset="0"/>
+                <a:cs typeface="Times New Roman" pitchFamily="18" charset="0"/>
+              </a:rPr>
+              <a:t>	</a:t>
+            </a:r>
+            <a:r>
+              <a:rPr lang="en-US" sz="1600" b="1" dirty="0" smtClean="0">
+                <a:latin typeface="Times New Roman" pitchFamily="18" charset="0"/>
+                <a:cs typeface="Times New Roman" pitchFamily="18" charset="0"/>
+              </a:rPr>
+              <a:t>	</a:t>
+            </a:r>
+            <a:r>
+              <a:rPr lang="en-US" sz="1600" dirty="0" smtClean="0">
+                <a:latin typeface="Times New Roman" pitchFamily="18" charset="0"/>
+                <a:cs typeface="Times New Roman" pitchFamily="18" charset="0"/>
+              </a:rPr>
+              <a:t>@</a:t>
+            </a:r>
+            <a:r>
+              <a:rPr lang="en-US" sz="1600" dirty="0" smtClean="0">
+                <a:latin typeface="Times New Roman" pitchFamily="18" charset="0"/>
+                <a:cs typeface="Times New Roman" pitchFamily="18" charset="0"/>
+              </a:rPr>
+              <a:t>mixed = (‘camel’, 42);</a:t>
+            </a:r>
+          </a:p>
+          <a:p>
+            <a:pPr marL="0" indent="0">
+              <a:buNone/>
+            </a:pPr>
+            <a:r>
+              <a:rPr lang="en-US" sz="1600" b="1" dirty="0">
+                <a:latin typeface="Times New Roman" pitchFamily="18" charset="0"/>
+                <a:cs typeface="Times New Roman" pitchFamily="18" charset="0"/>
+              </a:rPr>
+              <a:t>	</a:t>
+            </a:r>
+            <a:r>
+              <a:rPr lang="en-US" sz="2000" b="1" dirty="0" smtClean="0">
+                <a:latin typeface="Times New Roman" pitchFamily="18" charset="0"/>
+                <a:cs typeface="Times New Roman" pitchFamily="18" charset="0"/>
+              </a:rPr>
+              <a:t>Hash</a:t>
+            </a:r>
+          </a:p>
+          <a:p>
+            <a:pPr marL="400050" lvl="1" indent="0">
+              <a:buNone/>
+            </a:pPr>
+            <a:r>
+              <a:rPr lang="en-US" sz="1400" b="1" dirty="0">
+                <a:latin typeface="Times New Roman" pitchFamily="18" charset="0"/>
+                <a:cs typeface="Times New Roman" pitchFamily="18" charset="0"/>
+              </a:rPr>
+              <a:t>	</a:t>
+            </a:r>
+            <a:r>
+              <a:rPr lang="en-US" sz="1400" b="1" dirty="0" smtClean="0">
+                <a:latin typeface="Times New Roman" pitchFamily="18" charset="0"/>
+                <a:cs typeface="Times New Roman" pitchFamily="18" charset="0"/>
+              </a:rPr>
+              <a:t>	%</a:t>
+            </a:r>
+            <a:r>
+              <a:rPr lang="en-US" sz="1400" dirty="0" smtClean="0">
+                <a:latin typeface="Times New Roman" pitchFamily="18" charset="0"/>
+                <a:cs typeface="Times New Roman" pitchFamily="18" charset="0"/>
+              </a:rPr>
+              <a:t>color = (</a:t>
+            </a:r>
+          </a:p>
+          <a:p>
+            <a:pPr marL="400050" lvl="1" indent="0">
+              <a:buNone/>
+            </a:pPr>
+            <a:r>
+              <a:rPr lang="en-US" sz="1400" dirty="0" smtClean="0">
+                <a:latin typeface="Times New Roman" pitchFamily="18" charset="0"/>
+                <a:cs typeface="Times New Roman" pitchFamily="18" charset="0"/>
+              </a:rPr>
+              <a:t>		</a:t>
+            </a:r>
+            <a:r>
+              <a:rPr lang="en-US" sz="1400" dirty="0" smtClean="0">
+                <a:latin typeface="Times New Roman" pitchFamily="18" charset="0"/>
+                <a:cs typeface="Times New Roman" pitchFamily="18" charset="0"/>
+              </a:rPr>
+              <a:t>	apple </a:t>
+            </a:r>
+            <a:r>
+              <a:rPr lang="en-US" sz="1400" dirty="0" smtClean="0">
+                <a:latin typeface="Times New Roman" pitchFamily="18" charset="0"/>
+                <a:cs typeface="Times New Roman" pitchFamily="18" charset="0"/>
+              </a:rPr>
+              <a:t>=&gt; ‘red’,</a:t>
+            </a:r>
+          </a:p>
+          <a:p>
+            <a:pPr marL="400050" lvl="1" indent="0">
+              <a:buNone/>
+            </a:pPr>
+            <a:r>
+              <a:rPr lang="en-US" sz="1400" dirty="0">
+                <a:latin typeface="Times New Roman" pitchFamily="18" charset="0"/>
+                <a:cs typeface="Times New Roman" pitchFamily="18" charset="0"/>
+              </a:rPr>
+              <a:t>	</a:t>
+            </a:r>
+            <a:r>
+              <a:rPr lang="en-US" sz="1400" dirty="0" smtClean="0">
+                <a:latin typeface="Times New Roman" pitchFamily="18" charset="0"/>
+                <a:cs typeface="Times New Roman" pitchFamily="18" charset="0"/>
+              </a:rPr>
+              <a:t>	</a:t>
+            </a:r>
+            <a:r>
+              <a:rPr lang="en-US" sz="1400" dirty="0" smtClean="0">
+                <a:latin typeface="Times New Roman" pitchFamily="18" charset="0"/>
+                <a:cs typeface="Times New Roman" pitchFamily="18" charset="0"/>
+              </a:rPr>
+              <a:t>	banana </a:t>
+            </a:r>
+            <a:r>
+              <a:rPr lang="en-US" sz="1400" dirty="0" smtClean="0">
+                <a:latin typeface="Times New Roman" pitchFamily="18" charset="0"/>
+                <a:cs typeface="Times New Roman" pitchFamily="18" charset="0"/>
+              </a:rPr>
+              <a:t>=&gt; ‘yellow’</a:t>
+            </a:r>
+            <a:endParaRPr lang="en-US" sz="1400" dirty="0">
+              <a:latin typeface="Times New Roman" pitchFamily="18" charset="0"/>
+              <a:cs typeface="Times New Roman" pitchFamily="18" charset="0"/>
+            </a:endParaRPr>
+          </a:p>
+          <a:p>
+            <a:pPr marL="400050" lvl="1" indent="0">
+              <a:buNone/>
+            </a:pPr>
+            <a:r>
+              <a:rPr lang="en-US" sz="1400" dirty="0" smtClean="0">
+                <a:latin typeface="Times New Roman" pitchFamily="18" charset="0"/>
+                <a:cs typeface="Times New Roman" pitchFamily="18" charset="0"/>
+              </a:rPr>
+              <a:t>	</a:t>
+            </a:r>
+            <a:r>
+              <a:rPr lang="en-US" sz="1400" dirty="0" smtClean="0">
+                <a:latin typeface="Times New Roman" pitchFamily="18" charset="0"/>
+                <a:cs typeface="Times New Roman" pitchFamily="18" charset="0"/>
+              </a:rPr>
+              <a:t>	);</a:t>
+            </a:r>
+            <a:endParaRPr lang="en-US" sz="1400" b="1" dirty="0" smtClean="0">
+              <a:latin typeface="Times New Roman" pitchFamily="18" charset="0"/>
+              <a:cs typeface="Times New Roman" pitchFamily="18" charset="0"/>
+            </a:endParaRPr>
+          </a:p>
+          <a:p>
+            <a:pPr marL="0" indent="0">
+              <a:buNone/>
+            </a:pPr>
+            <a:r>
+              <a:rPr lang="en-US" sz="1600" b="1" dirty="0">
+                <a:latin typeface="Times New Roman" pitchFamily="18" charset="0"/>
+                <a:cs typeface="Times New Roman" pitchFamily="18" charset="0"/>
+              </a:rPr>
+              <a:t>	</a:t>
+            </a:r>
           </a:p>
         </p:txBody>
       </p:sp>
     </p:spTree>
     <p:extLst>
       <p:ext uri="{BB962C8B-B14F-4D97-AF65-F5344CB8AC3E}">
-        <p14:creationId xmlns:p14="http://schemas.microsoft.com/office/powerpoint/2010/main" val="1678046205"/>
+        <p14:creationId xmlns:p14="http://schemas.microsoft.com/office/powerpoint/2010/main" val="3596365126"/>
       </p:ext>
     </p:extLst>
   </p:cSld>
   <p:clrMapOvr>
     <a:masterClrMapping/>
   </p:clrMapOvr>
+  <p:timing>
+    <p:tnLst>
+      <p:par>
+        <p:cTn id="1" dur="indefinite" restart="never" nodeType="tmRoot"/>
+      </p:par>
+    </p:tnLst>
+  </p:timing>
 </p:sld>
 </file>
 
@@ -8291,26 +10007,14 @@
           <a:lstStyle/>
           <a:p>
             <a:r>
-              <a:rPr lang="en-US" dirty="0" err="1" smtClean="0"/>
-              <a:t>Kiểu</a:t>
-            </a:r>
-            <a:r>
-              <a:rPr lang="en-US" dirty="0" smtClean="0"/>
-              <a:t> </a:t>
-            </a:r>
-            <a:r>
-              <a:rPr lang="en-US" dirty="0" err="1" smtClean="0"/>
-              <a:t>dữ</a:t>
-            </a:r>
-            <a:r>
-              <a:rPr lang="en-US" dirty="0" smtClean="0"/>
-              <a:t> </a:t>
-            </a:r>
-            <a:r>
-              <a:rPr lang="en-US" dirty="0" err="1" smtClean="0"/>
-              <a:t>liệu</a:t>
-            </a:r>
-            <a:endParaRPr lang="en-US" dirty="0"/>
+              <a:rPr lang="en-US" b="1" dirty="0">
+                <a:solidFill>
+                  <a:schemeClr val="tx1"/>
+                </a:solidFill>
+              </a:rPr>
+              <a:t>Scalars</a:t>
+            </a:r>
+            <a:endParaRPr lang="en-US" b="1" dirty="0"/>
           </a:p>
         </p:txBody>
       </p:sp>
@@ -8327,45 +10031,92 @@
         <p:spPr/>
         <p:txBody>
           <a:bodyPr>
-            <a:normAutofit fontScale="62500" lnSpcReduction="20000"/>
+            <a:normAutofit/>
           </a:bodyPr>
           <a:lstStyle/>
           <a:p>
-            <a:r>
-              <a:rPr lang="en-US" b="1" dirty="0" smtClean="0"/>
-              <a:t>Perl </a:t>
-            </a:r>
-            <a:r>
-              <a:rPr lang="en-US" b="1" dirty="0" err="1" smtClean="0"/>
-              <a:t>có</a:t>
-            </a:r>
-            <a:r>
-              <a:rPr lang="en-US" b="1" dirty="0" smtClean="0"/>
-              <a:t> 3 </a:t>
-            </a:r>
-            <a:r>
-              <a:rPr lang="en-US" b="1" dirty="0" err="1" smtClean="0"/>
-              <a:t>kiểu</a:t>
-            </a:r>
-            <a:r>
-              <a:rPr lang="en-US" b="1" dirty="0" smtClean="0"/>
+            <a:pPr marL="0" indent="0">
+              <a:buNone/>
+            </a:pPr>
+            <a:r>
+              <a:rPr lang="en-US" sz="2400" dirty="0">
+                <a:latin typeface="Times New Roman" pitchFamily="18" charset="0"/>
+                <a:cs typeface="Times New Roman" pitchFamily="18" charset="0"/>
+              </a:rPr>
+              <a:t>	</a:t>
+            </a:r>
+            <a:r>
+              <a:rPr lang="en-US" sz="2400" dirty="0" smtClean="0">
+                <a:latin typeface="Times New Roman" pitchFamily="18" charset="0"/>
+                <a:cs typeface="Times New Roman" pitchFamily="18" charset="0"/>
+              </a:rPr>
+              <a:t>$</a:t>
+            </a:r>
+            <a:r>
+              <a:rPr lang="en-US" sz="2400" dirty="0">
+                <a:latin typeface="Times New Roman" pitchFamily="18" charset="0"/>
+                <a:cs typeface="Times New Roman" pitchFamily="18" charset="0"/>
+              </a:rPr>
+              <a:t>animal = ‘string’;</a:t>
+            </a:r>
+          </a:p>
+          <a:p>
+            <a:pPr marL="0" indent="0">
+              <a:buNone/>
+            </a:pPr>
+            <a:r>
+              <a:rPr lang="en-US" sz="2400" dirty="0">
+                <a:latin typeface="Times New Roman" pitchFamily="18" charset="0"/>
+                <a:cs typeface="Times New Roman" pitchFamily="18" charset="0"/>
+              </a:rPr>
+              <a:t>	$</a:t>
+            </a:r>
+            <a:r>
+              <a:rPr lang="en-US" sz="2400" dirty="0" smtClean="0">
+                <a:latin typeface="Times New Roman" pitchFamily="18" charset="0"/>
+                <a:cs typeface="Times New Roman" pitchFamily="18" charset="0"/>
+              </a:rPr>
+              <a:t>number = </a:t>
+            </a:r>
+            <a:r>
+              <a:rPr lang="en-US" sz="2400" dirty="0">
+                <a:latin typeface="Times New Roman" pitchFamily="18" charset="0"/>
+                <a:cs typeface="Times New Roman" pitchFamily="18" charset="0"/>
+              </a:rPr>
+              <a:t>42;</a:t>
+            </a:r>
+          </a:p>
+          <a:p>
+            <a:pPr marL="0" indent="0">
+              <a:buNone/>
+            </a:pPr>
+            <a:r>
+              <a:rPr lang="en-US" sz="2400" dirty="0" smtClean="0">
+                <a:latin typeface="Times New Roman" pitchFamily="18" charset="0"/>
+                <a:cs typeface="Times New Roman" pitchFamily="18" charset="0"/>
+              </a:rPr>
+              <a:t>	print(“</a:t>
+            </a:r>
+            <a:r>
+              <a:rPr lang="en-US" sz="2400" dirty="0" err="1" smtClean="0">
+                <a:latin typeface="Times New Roman" pitchFamily="18" charset="0"/>
+                <a:cs typeface="Times New Roman" pitchFamily="18" charset="0"/>
+              </a:rPr>
+              <a:t>Kieu</a:t>
+            </a:r>
+            <a:r>
+              <a:rPr lang="en-US" sz="2400" dirty="0" smtClean="0">
+                <a:latin typeface="Times New Roman" pitchFamily="18" charset="0"/>
+                <a:cs typeface="Times New Roman" pitchFamily="18" charset="0"/>
+              </a:rPr>
               <a:t> </a:t>
             </a:r>
             <a:r>
-              <a:rPr lang="en-US" b="1" dirty="0" err="1" smtClean="0"/>
-              <a:t>đữ</a:t>
-            </a:r>
-            <a:r>
-              <a:rPr lang="en-US" b="1" dirty="0" smtClean="0"/>
-              <a:t> </a:t>
-            </a:r>
-            <a:r>
-              <a:rPr lang="en-US" b="1" dirty="0" err="1" smtClean="0"/>
-              <a:t>liệu</a:t>
-            </a:r>
-            <a:r>
-              <a:rPr lang="en-US" b="1" dirty="0" smtClean="0"/>
-              <a:t>: </a:t>
+              <a:rPr lang="en-US" sz="2400" dirty="0" smtClean="0">
+                <a:latin typeface="Times New Roman" pitchFamily="18" charset="0"/>
+                <a:cs typeface="Times New Roman" pitchFamily="18" charset="0"/>
+              </a:rPr>
+              <a:t>string: $animal\n”);</a:t>
             </a:r>
           </a:p>
           <a:p>
@@ -8373,176 +10124,87 @@
               <a:buNone/>
             </a:pPr>
             <a:r>
-              <a:rPr lang="en-US" b="1" dirty="0"/>
-              <a:t>	</a:t>
-            </a:r>
-            <a:r>
-              <a:rPr lang="en-US" b="1" dirty="0" smtClean="0"/>
-              <a:t>Scalars</a:t>
-            </a:r>
+              <a:rPr lang="en-US" sz="2400" dirty="0" smtClean="0">
+                <a:latin typeface="Times New Roman" pitchFamily="18" charset="0"/>
+                <a:cs typeface="Times New Roman" pitchFamily="18" charset="0"/>
+              </a:rPr>
+              <a:t>	print</a:t>
+            </a:r>
+            <a:r>
+              <a:rPr lang="en-US" sz="2400" dirty="0">
+                <a:latin typeface="Times New Roman" pitchFamily="18" charset="0"/>
+                <a:cs typeface="Times New Roman" pitchFamily="18" charset="0"/>
+              </a:rPr>
+              <a:t>(“</a:t>
+            </a:r>
+            <a:r>
+              <a:rPr lang="en-US" sz="2400" dirty="0" err="1" smtClean="0">
+                <a:latin typeface="Times New Roman" pitchFamily="18" charset="0"/>
+                <a:cs typeface="Times New Roman" pitchFamily="18" charset="0"/>
+              </a:rPr>
+              <a:t>Kieu</a:t>
+            </a:r>
+            <a:r>
+              <a:rPr lang="en-US" sz="2400" dirty="0" smtClean="0">
+                <a:latin typeface="Times New Roman" pitchFamily="18" charset="0"/>
+                <a:cs typeface="Times New Roman" pitchFamily="18" charset="0"/>
+              </a:rPr>
+              <a:t> so: </a:t>
+            </a:r>
+            <a:r>
+              <a:rPr lang="en-US" sz="2400" dirty="0" smtClean="0">
+                <a:latin typeface="Times New Roman" pitchFamily="18" charset="0"/>
+                <a:cs typeface="Times New Roman" pitchFamily="18" charset="0"/>
+              </a:rPr>
+              <a:t>$</a:t>
+            </a:r>
+            <a:r>
+              <a:rPr lang="en-US" sz="2400" dirty="0">
+                <a:latin typeface="Times New Roman" pitchFamily="18" charset="0"/>
+                <a:cs typeface="Times New Roman" pitchFamily="18" charset="0"/>
+              </a:rPr>
+              <a:t> number</a:t>
+            </a:r>
+            <a:r>
+              <a:rPr lang="en-US" sz="2400" dirty="0" smtClean="0">
+                <a:latin typeface="Times New Roman" pitchFamily="18" charset="0"/>
+                <a:cs typeface="Times New Roman" pitchFamily="18" charset="0"/>
+              </a:rPr>
+              <a:t>”);</a:t>
+            </a:r>
+            <a:endParaRPr lang="en-US" sz="2400" dirty="0">
+              <a:latin typeface="Times New Roman" pitchFamily="18" charset="0"/>
+              <a:cs typeface="Times New Roman" pitchFamily="18" charset="0"/>
+            </a:endParaRPr>
           </a:p>
           <a:p>
             <a:pPr marL="0" indent="0">
               <a:buNone/>
             </a:pPr>
-            <a:r>
-              <a:rPr lang="en-US" b="1" dirty="0"/>
-              <a:t>	</a:t>
-            </a:r>
-            <a:r>
-              <a:rPr lang="en-US" dirty="0" smtClean="0"/>
-              <a:t>$animal = ‘string’;</a:t>
-            </a:r>
-          </a:p>
-          <a:p>
-            <a:pPr marL="0" indent="0">
-              <a:buNone/>
-            </a:pPr>
-            <a:r>
-              <a:rPr lang="en-US" dirty="0"/>
-              <a:t>	</a:t>
-            </a:r>
-            <a:r>
-              <a:rPr lang="en-US" dirty="0" smtClean="0"/>
-              <a:t>$number= 42;</a:t>
-            </a:r>
-          </a:p>
-          <a:p>
-            <a:pPr marL="0" indent="0">
-              <a:buNone/>
-            </a:pPr>
-            <a:r>
-              <a:rPr lang="en-US" dirty="0"/>
-              <a:t>	</a:t>
-            </a:r>
-            <a:r>
-              <a:rPr lang="en-US" b="1" dirty="0" smtClean="0"/>
-              <a:t>Arrays</a:t>
-            </a:r>
-          </a:p>
-          <a:p>
-            <a:pPr marL="0" indent="0">
-              <a:buNone/>
-            </a:pPr>
-            <a:r>
-              <a:rPr lang="en-US" b="1" dirty="0"/>
-              <a:t>	</a:t>
-            </a:r>
-            <a:r>
-              <a:rPr lang="en-US" dirty="0" smtClean="0"/>
-              <a:t>@animals = (‘camel’, ‘lama’);</a:t>
-            </a:r>
-          </a:p>
-          <a:p>
-            <a:pPr marL="0" indent="0">
-              <a:buNone/>
-            </a:pPr>
-            <a:r>
-              <a:rPr lang="en-US" b="1" dirty="0"/>
-              <a:t>	</a:t>
-            </a:r>
-            <a:r>
-              <a:rPr lang="en-US" dirty="0" smtClean="0"/>
-              <a:t>@numbers = (23, 42, 87);</a:t>
-            </a:r>
-          </a:p>
-          <a:p>
-            <a:pPr marL="0" indent="0">
-              <a:buNone/>
-            </a:pPr>
-            <a:r>
-              <a:rPr lang="en-US" b="1" dirty="0"/>
-              <a:t>	</a:t>
-            </a:r>
-            <a:r>
-              <a:rPr lang="en-US" dirty="0" smtClean="0"/>
-              <a:t>@mixed = (‘camel’, 42);</a:t>
-            </a:r>
-          </a:p>
-          <a:p>
-            <a:pPr marL="0" indent="0">
-              <a:buNone/>
-            </a:pPr>
-            <a:r>
-              <a:rPr lang="en-US" b="1" dirty="0"/>
-              <a:t>	</a:t>
-            </a:r>
-            <a:r>
-              <a:rPr lang="en-US" b="1" dirty="0" smtClean="0"/>
-              <a:t>Hash</a:t>
-            </a:r>
-          </a:p>
-          <a:p>
-            <a:pPr marL="0" indent="0">
-              <a:buNone/>
-            </a:pPr>
-            <a:r>
-              <a:rPr lang="en-US" b="1" dirty="0"/>
-              <a:t>	</a:t>
-            </a:r>
-            <a:r>
-              <a:rPr lang="en-US" b="1" dirty="0" smtClean="0"/>
-              <a:t>%</a:t>
-            </a:r>
-            <a:r>
-              <a:rPr lang="en-US" dirty="0" smtClean="0"/>
-              <a:t>color = (</a:t>
-            </a:r>
-          </a:p>
-          <a:p>
-            <a:pPr marL="0" indent="0">
-              <a:buNone/>
-            </a:pPr>
-            <a:r>
-              <a:rPr lang="en-US" dirty="0" smtClean="0"/>
-              <a:t>		apple =&gt; ‘red’,</a:t>
-            </a:r>
-          </a:p>
-          <a:p>
-            <a:pPr marL="0" indent="0">
-              <a:buNone/>
-            </a:pPr>
-            <a:r>
-              <a:rPr lang="en-US" dirty="0"/>
-              <a:t>	</a:t>
-            </a:r>
-            <a:r>
-              <a:rPr lang="en-US" dirty="0" smtClean="0"/>
-              <a:t>	banana =&gt; ‘yellow’</a:t>
-            </a:r>
-            <a:endParaRPr lang="en-US" dirty="0"/>
-          </a:p>
-          <a:p>
-            <a:pPr marL="0" indent="0">
-              <a:buNone/>
-            </a:pPr>
-            <a:r>
-              <a:rPr lang="en-US" dirty="0" smtClean="0"/>
-              <a:t>	);</a:t>
-            </a:r>
-            <a:endParaRPr lang="en-US" b="1" dirty="0" smtClean="0"/>
-          </a:p>
-          <a:p>
-            <a:pPr marL="0" indent="0">
-              <a:buNone/>
-            </a:pPr>
-            <a:r>
-              <a:rPr lang="en-US" b="1" dirty="0"/>
-              <a:t>	</a:t>
-            </a:r>
+            <a:endParaRPr lang="en-US" sz="2400" dirty="0" smtClean="0">
+              <a:latin typeface="Times New Roman" pitchFamily="18" charset="0"/>
+              <a:cs typeface="Times New Roman" pitchFamily="18" charset="0"/>
+            </a:endParaRPr>
           </a:p>
         </p:txBody>
       </p:sp>
     </p:spTree>
     <p:extLst>
       <p:ext uri="{BB962C8B-B14F-4D97-AF65-F5344CB8AC3E}">
-        <p14:creationId xmlns:p14="http://schemas.microsoft.com/office/powerpoint/2010/main" val="3596365126"/>
+        <p14:creationId xmlns:p14="http://schemas.microsoft.com/office/powerpoint/2010/main" val="132639342"/>
       </p:ext>
     </p:extLst>
   </p:cSld>
   <p:clrMapOvr>
     <a:masterClrMapping/>
   </p:clrMapOvr>
+  <p:timing>
+    <p:tnLst>
+      <p:par>
+        <p:cTn id="1" dur="indefinite" restart="never" nodeType="tmRoot"/>
+      </p:par>
+    </p:tnLst>
+  </p:timing>
 </p:sld>
 </file>
 
@@ -8579,14 +10241,16 @@
           <a:lstStyle/>
           <a:p>
             <a:r>
-              <a:rPr lang="en-US" b="1" dirty="0">
-                <a:solidFill>
-                  <a:schemeClr val="tx1"/>
-                </a:solidFill>
-              </a:rPr>
-              <a:t>Scalars</a:t>
-            </a:r>
-            <a:endParaRPr lang="en-US" b="1" dirty="0"/>
+              <a:rPr lang="en-US" b="1" dirty="0" smtClean="0">
+                <a:latin typeface="Times New Roman" pitchFamily="18" charset="0"/>
+                <a:cs typeface="Times New Roman" pitchFamily="18" charset="0"/>
+              </a:rPr>
+              <a:t>Arrays</a:t>
+            </a:r>
+            <a:endParaRPr lang="en-US" b="1" dirty="0">
+              <a:latin typeface="Times New Roman" pitchFamily="18" charset="0"/>
+              <a:cs typeface="Times New Roman" pitchFamily="18" charset="0"/>
+            </a:endParaRPr>
           </a:p>
         </p:txBody>
       </p:sp>
@@ -8600,95 +10264,405 @@
             <p:ph idx="1"/>
           </p:nvPr>
         </p:nvSpPr>
-        <p:spPr/>
-        <p:txBody>
-          <a:bodyPr/>
+        <p:spPr>
+          <a:xfrm>
+            <a:off x="2589212" y="1663700"/>
+            <a:ext cx="8915400" cy="3803738"/>
+          </a:xfrm>
+        </p:spPr>
+        <p:txBody>
+          <a:bodyPr>
+            <a:noAutofit/>
+          </a:bodyPr>
           <a:lstStyle/>
           <a:p>
+            <a:pPr>
+              <a:buFont typeface="Wingdings" pitchFamily="2" charset="2"/>
+              <a:buChar char="§"/>
+            </a:pPr>
+            <a:r>
+              <a:rPr lang="en-US" sz="2000" b="1" dirty="0" err="1" smtClean="0">
+                <a:latin typeface="Times New Roman" pitchFamily="18" charset="0"/>
+                <a:cs typeface="Times New Roman" pitchFamily="18" charset="0"/>
+              </a:rPr>
+              <a:t>Khai</a:t>
+            </a:r>
+            <a:r>
+              <a:rPr lang="en-US" sz="2000" b="1" dirty="0" smtClean="0">
+                <a:latin typeface="Times New Roman" pitchFamily="18" charset="0"/>
+                <a:cs typeface="Times New Roman" pitchFamily="18" charset="0"/>
+              </a:rPr>
+              <a:t> </a:t>
+            </a:r>
+            <a:r>
+              <a:rPr lang="en-US" sz="2000" b="1" dirty="0" err="1" smtClean="0">
+                <a:latin typeface="Times New Roman" pitchFamily="18" charset="0"/>
+                <a:cs typeface="Times New Roman" pitchFamily="18" charset="0"/>
+              </a:rPr>
+              <a:t>báo</a:t>
+            </a:r>
+            <a:endParaRPr lang="en-US" sz="2000" b="1" dirty="0" smtClean="0">
+              <a:latin typeface="Times New Roman" pitchFamily="18" charset="0"/>
+              <a:cs typeface="Times New Roman" pitchFamily="18" charset="0"/>
+            </a:endParaRPr>
+          </a:p>
+          <a:p>
             <a:pPr marL="0" indent="0">
               <a:buNone/>
             </a:pPr>
             <a:r>
-              <a:rPr lang="en-US" dirty="0" smtClean="0"/>
-              <a:t>Scalars </a:t>
-            </a:r>
-            <a:r>
-              <a:rPr lang="en-US" dirty="0" err="1" smtClean="0"/>
-              <a:t>có</a:t>
-            </a:r>
-            <a:r>
-              <a:rPr lang="en-US" dirty="0" smtClean="0"/>
+              <a:rPr lang="en-US" sz="2000" dirty="0" smtClean="0">
+                <a:latin typeface="Times New Roman" pitchFamily="18" charset="0"/>
+                <a:cs typeface="Times New Roman" pitchFamily="18" charset="0"/>
+              </a:rPr>
+              <a:t>	@</a:t>
+            </a:r>
+            <a:r>
+              <a:rPr lang="en-US" sz="2000" dirty="0">
+                <a:latin typeface="Times New Roman" pitchFamily="18" charset="0"/>
+                <a:cs typeface="Times New Roman" pitchFamily="18" charset="0"/>
+              </a:rPr>
+              <a:t>animals = (‘camel’, ‘lama’);</a:t>
+            </a:r>
+          </a:p>
+          <a:p>
+            <a:pPr marL="0" indent="0">
+              <a:buNone/>
+            </a:pPr>
+            <a:r>
+              <a:rPr lang="en-US" sz="2000" dirty="0" smtClean="0">
+                <a:latin typeface="Times New Roman" pitchFamily="18" charset="0"/>
+                <a:cs typeface="Times New Roman" pitchFamily="18" charset="0"/>
+              </a:rPr>
+              <a:t>	@</a:t>
+            </a:r>
+            <a:r>
+              <a:rPr lang="en-US" sz="2000" dirty="0">
+                <a:latin typeface="Times New Roman" pitchFamily="18" charset="0"/>
+                <a:cs typeface="Times New Roman" pitchFamily="18" charset="0"/>
+              </a:rPr>
+              <a:t>numbers = (23, 42, 87);</a:t>
+            </a:r>
+          </a:p>
+          <a:p>
+            <a:pPr marL="0" indent="0">
+              <a:buNone/>
+            </a:pPr>
+            <a:r>
+              <a:rPr lang="en-US" sz="2000" dirty="0" smtClean="0">
+                <a:latin typeface="Times New Roman" pitchFamily="18" charset="0"/>
+                <a:cs typeface="Times New Roman" pitchFamily="18" charset="0"/>
+              </a:rPr>
+              <a:t>	@</a:t>
+            </a:r>
+            <a:r>
+              <a:rPr lang="en-US" sz="2000" dirty="0">
+                <a:latin typeface="Times New Roman" pitchFamily="18" charset="0"/>
+                <a:cs typeface="Times New Roman" pitchFamily="18" charset="0"/>
+              </a:rPr>
+              <a:t>mixed = (‘camel’, </a:t>
+            </a:r>
+            <a:r>
+              <a:rPr lang="en-US" sz="2000" dirty="0" smtClean="0">
+                <a:latin typeface="Times New Roman" pitchFamily="18" charset="0"/>
+                <a:cs typeface="Times New Roman" pitchFamily="18" charset="0"/>
+              </a:rPr>
+              <a:t>42);</a:t>
+            </a:r>
+          </a:p>
+          <a:p>
+            <a:pPr marL="0" indent="0">
+              <a:buNone/>
+            </a:pPr>
+            <a:r>
+              <a:rPr lang="en-US" sz="2000" dirty="0" smtClean="0">
+                <a:latin typeface="Times New Roman" pitchFamily="18" charset="0"/>
+                <a:cs typeface="Times New Roman" pitchFamily="18" charset="0"/>
+              </a:rPr>
+              <a:t>	Print</a:t>
+            </a:r>
+            <a:r>
+              <a:rPr lang="en-US" sz="2000" dirty="0" smtClean="0">
+                <a:latin typeface="Times New Roman" pitchFamily="18" charset="0"/>
+                <a:cs typeface="Times New Roman" pitchFamily="18" charset="0"/>
+              </a:rPr>
+              <a:t>(“</a:t>
+            </a:r>
+            <a:r>
+              <a:rPr lang="en-US" sz="2000" dirty="0" err="1" smtClean="0">
+                <a:latin typeface="Times New Roman" pitchFamily="18" charset="0"/>
+                <a:cs typeface="Times New Roman" pitchFamily="18" charset="0"/>
+              </a:rPr>
+              <a:t>gia</a:t>
+            </a:r>
+            <a:r>
+              <a:rPr lang="en-US" sz="2000" dirty="0" smtClean="0">
+                <a:latin typeface="Times New Roman" pitchFamily="18" charset="0"/>
+                <a:cs typeface="Times New Roman" pitchFamily="18" charset="0"/>
+              </a:rPr>
+              <a:t> tri </a:t>
+            </a:r>
+            <a:r>
+              <a:rPr lang="en-US" sz="2000" dirty="0" err="1" smtClean="0">
+                <a:latin typeface="Times New Roman" pitchFamily="18" charset="0"/>
+                <a:cs typeface="Times New Roman" pitchFamily="18" charset="0"/>
+              </a:rPr>
+              <a:t>phan</a:t>
+            </a:r>
+            <a:r>
+              <a:rPr lang="en-US" sz="2000" dirty="0" smtClean="0">
+                <a:latin typeface="Times New Roman" pitchFamily="18" charset="0"/>
+                <a:cs typeface="Times New Roman" pitchFamily="18" charset="0"/>
+              </a:rPr>
               <a:t> </a:t>
             </a:r>
             <a:r>
-              <a:rPr lang="en-US" dirty="0" err="1" smtClean="0"/>
+              <a:rPr lang="en-US" sz="2000" dirty="0" err="1" smtClean="0">
+                <a:latin typeface="Times New Roman" pitchFamily="18" charset="0"/>
+                <a:cs typeface="Times New Roman" pitchFamily="18" charset="0"/>
+              </a:rPr>
+              <a:t>tu</a:t>
+            </a:r>
+            <a:r>
+              <a:rPr lang="en-US" sz="2000" dirty="0" smtClean="0">
+                <a:latin typeface="Times New Roman" pitchFamily="18" charset="0"/>
+                <a:cs typeface="Times New Roman" pitchFamily="18" charset="0"/>
+              </a:rPr>
+              <a:t> </a:t>
+            </a:r>
+            <a:r>
+              <a:rPr lang="en-US" sz="2000" dirty="0" err="1" smtClean="0">
+                <a:latin typeface="Times New Roman" pitchFamily="18" charset="0"/>
+                <a:cs typeface="Times New Roman" pitchFamily="18" charset="0"/>
+              </a:rPr>
+              <a:t>đầu</a:t>
+            </a:r>
+            <a:r>
+              <a:rPr lang="en-US" sz="2000" dirty="0" smtClean="0">
+                <a:latin typeface="Times New Roman" pitchFamily="18" charset="0"/>
+                <a:cs typeface="Times New Roman" pitchFamily="18" charset="0"/>
+              </a:rPr>
+              <a:t> </a:t>
+            </a:r>
+            <a:r>
+              <a:rPr lang="en-US" sz="2000" dirty="0" err="1" smtClean="0">
+                <a:latin typeface="Times New Roman" pitchFamily="18" charset="0"/>
+                <a:cs typeface="Times New Roman" pitchFamily="18" charset="0"/>
+              </a:rPr>
+              <a:t>tiên</a:t>
+            </a:r>
+            <a:r>
+              <a:rPr lang="en-US" sz="2000" dirty="0" smtClean="0">
+                <a:latin typeface="Times New Roman" pitchFamily="18" charset="0"/>
+                <a:cs typeface="Times New Roman" pitchFamily="18" charset="0"/>
+              </a:rPr>
+              <a:t> la $animals[0]”);</a:t>
+            </a:r>
+          </a:p>
+          <a:p>
+            <a:pPr marL="0" indent="0">
+              <a:buNone/>
+            </a:pPr>
+            <a:r>
+              <a:rPr lang="en-US" sz="2000" dirty="0" smtClean="0">
+                <a:latin typeface="Times New Roman" pitchFamily="18" charset="0"/>
+                <a:cs typeface="Times New Roman" pitchFamily="18" charset="0"/>
+              </a:rPr>
+              <a:t>	Print</a:t>
+            </a:r>
+            <a:r>
+              <a:rPr lang="en-US" sz="2000" dirty="0">
+                <a:latin typeface="Times New Roman" pitchFamily="18" charset="0"/>
+                <a:cs typeface="Times New Roman" pitchFamily="18" charset="0"/>
+              </a:rPr>
+              <a:t>(“</a:t>
+            </a:r>
+            <a:r>
+              <a:rPr lang="en-US" sz="2000" dirty="0" err="1">
+                <a:latin typeface="Times New Roman" pitchFamily="18" charset="0"/>
+                <a:cs typeface="Times New Roman" pitchFamily="18" charset="0"/>
+              </a:rPr>
+              <a:t>gia</a:t>
+            </a:r>
+            <a:r>
+              <a:rPr lang="en-US" sz="2000" dirty="0">
+                <a:latin typeface="Times New Roman" pitchFamily="18" charset="0"/>
+                <a:cs typeface="Times New Roman" pitchFamily="18" charset="0"/>
+              </a:rPr>
+              <a:t> tri </a:t>
+            </a:r>
+            <a:r>
+              <a:rPr lang="en-US" sz="2000" dirty="0" err="1">
+                <a:latin typeface="Times New Roman" pitchFamily="18" charset="0"/>
+                <a:cs typeface="Times New Roman" pitchFamily="18" charset="0"/>
+              </a:rPr>
+              <a:t>phan</a:t>
+            </a:r>
+            <a:r>
+              <a:rPr lang="en-US" sz="2000" dirty="0">
+                <a:latin typeface="Times New Roman" pitchFamily="18" charset="0"/>
+                <a:cs typeface="Times New Roman" pitchFamily="18" charset="0"/>
+              </a:rPr>
+              <a:t> </a:t>
+            </a:r>
+            <a:r>
+              <a:rPr lang="en-US" sz="2000" dirty="0" err="1">
+                <a:latin typeface="Times New Roman" pitchFamily="18" charset="0"/>
+                <a:cs typeface="Times New Roman" pitchFamily="18" charset="0"/>
+              </a:rPr>
+              <a:t>tu</a:t>
+            </a:r>
+            <a:r>
+              <a:rPr lang="en-US" sz="2000" dirty="0">
+                <a:latin typeface="Times New Roman" pitchFamily="18" charset="0"/>
+                <a:cs typeface="Times New Roman" pitchFamily="18" charset="0"/>
+              </a:rPr>
+              <a:t> </a:t>
+            </a:r>
+            <a:r>
+              <a:rPr lang="en-US" sz="2000" dirty="0" err="1" smtClean="0">
+                <a:latin typeface="Times New Roman" pitchFamily="18" charset="0"/>
+                <a:cs typeface="Times New Roman" pitchFamily="18" charset="0"/>
+              </a:rPr>
+              <a:t>cuối</a:t>
+            </a:r>
+            <a:r>
+              <a:rPr lang="en-US" sz="2000" dirty="0" smtClean="0">
+                <a:latin typeface="Times New Roman" pitchFamily="18" charset="0"/>
+                <a:cs typeface="Times New Roman" pitchFamily="18" charset="0"/>
+              </a:rPr>
+              <a:t> </a:t>
+            </a:r>
+            <a:r>
+              <a:rPr lang="en-US" sz="2000" dirty="0" err="1" smtClean="0">
+                <a:latin typeface="Times New Roman" pitchFamily="18" charset="0"/>
+                <a:cs typeface="Times New Roman" pitchFamily="18" charset="0"/>
+              </a:rPr>
+              <a:t>cùng</a:t>
+            </a:r>
+            <a:r>
+              <a:rPr lang="en-US" sz="2000" dirty="0" smtClean="0">
+                <a:latin typeface="Times New Roman" pitchFamily="18" charset="0"/>
+                <a:cs typeface="Times New Roman" pitchFamily="18" charset="0"/>
+              </a:rPr>
+              <a:t> la </a:t>
+            </a:r>
+            <a:r>
+              <a:rPr lang="en-US" sz="2000" dirty="0">
+                <a:latin typeface="Times New Roman" pitchFamily="18" charset="0"/>
+                <a:cs typeface="Times New Roman" pitchFamily="18" charset="0"/>
+              </a:rPr>
+              <a:t>$animals</a:t>
+            </a:r>
+            <a:r>
+              <a:rPr lang="en-US" sz="2000" dirty="0" smtClean="0">
+                <a:latin typeface="Times New Roman" pitchFamily="18" charset="0"/>
+                <a:cs typeface="Times New Roman" pitchFamily="18" charset="0"/>
+              </a:rPr>
+              <a:t>[-1</a:t>
+            </a:r>
+            <a:r>
+              <a:rPr lang="en-US" sz="2000" dirty="0" smtClean="0">
+                <a:latin typeface="Times New Roman" pitchFamily="18" charset="0"/>
+                <a:cs typeface="Times New Roman" pitchFamily="18" charset="0"/>
+              </a:rPr>
+              <a:t>]”);</a:t>
+            </a:r>
+            <a:endParaRPr lang="en-US" sz="2000" dirty="0">
+              <a:latin typeface="Times New Roman" pitchFamily="18" charset="0"/>
+              <a:cs typeface="Times New Roman" pitchFamily="18" charset="0"/>
+            </a:endParaRPr>
+          </a:p>
+          <a:p>
+            <a:pPr>
+              <a:buFont typeface="Wingdings" pitchFamily="2" charset="2"/>
+              <a:buChar char="§"/>
+            </a:pPr>
+            <a:r>
+              <a:rPr lang="en-US" sz="2000" b="1" dirty="0" err="1" smtClean="0">
+                <a:latin typeface="Times New Roman" pitchFamily="18" charset="0"/>
+                <a:cs typeface="Times New Roman" pitchFamily="18" charset="0"/>
+              </a:rPr>
+              <a:t>Gán</a:t>
+            </a:r>
+            <a:r>
+              <a:rPr lang="en-US" sz="2000" b="1" dirty="0" smtClean="0">
+                <a:latin typeface="Times New Roman" pitchFamily="18" charset="0"/>
+                <a:cs typeface="Times New Roman" pitchFamily="18" charset="0"/>
+              </a:rPr>
+              <a:t> </a:t>
+            </a:r>
+            <a:r>
+              <a:rPr lang="en-US" sz="2000" b="1" dirty="0" err="1" smtClean="0">
+                <a:latin typeface="Times New Roman" pitchFamily="18" charset="0"/>
+                <a:cs typeface="Times New Roman" pitchFamily="18" charset="0"/>
+              </a:rPr>
               <a:t>giá</a:t>
             </a:r>
             <a:r>
-              <a:rPr lang="en-US" dirty="0" smtClean="0"/>
+              <a:rPr lang="en-US" sz="2000" b="1" dirty="0" smtClean="0">
+                <a:latin typeface="Times New Roman" pitchFamily="18" charset="0"/>
+                <a:cs typeface="Times New Roman" pitchFamily="18" charset="0"/>
+              </a:rPr>
               <a:t> </a:t>
             </a:r>
             <a:r>
-              <a:rPr lang="en-US" dirty="0" err="1" smtClean="0"/>
+              <a:rPr lang="en-US" sz="2000" b="1" dirty="0" err="1" smtClean="0">
+                <a:latin typeface="Times New Roman" pitchFamily="18" charset="0"/>
+                <a:cs typeface="Times New Roman" pitchFamily="18" charset="0"/>
+              </a:rPr>
               <a:t>trị</a:t>
             </a:r>
             <a:r>
-              <a:rPr lang="en-US" dirty="0" smtClean="0"/>
+              <a:rPr lang="en-US" sz="2000" b="1" dirty="0" smtClean="0">
+                <a:latin typeface="Times New Roman" pitchFamily="18" charset="0"/>
+                <a:cs typeface="Times New Roman" pitchFamily="18" charset="0"/>
+              </a:rPr>
               <a:t> </a:t>
             </a:r>
             <a:r>
-              <a:rPr lang="en-US" dirty="0" err="1" smtClean="0"/>
-              <a:t>có</a:t>
-            </a:r>
-            <a:r>
-              <a:rPr lang="en-US" dirty="0" smtClean="0"/>
+              <a:rPr lang="en-US" sz="2000" b="1" dirty="0" err="1" smtClean="0">
+                <a:latin typeface="Times New Roman" pitchFamily="18" charset="0"/>
+                <a:cs typeface="Times New Roman" pitchFamily="18" charset="0"/>
+              </a:rPr>
+              <a:t>cho</a:t>
+            </a:r>
+            <a:r>
+              <a:rPr lang="en-US" sz="2000" b="1" dirty="0" smtClean="0">
+                <a:latin typeface="Times New Roman" pitchFamily="18" charset="0"/>
+                <a:cs typeface="Times New Roman" pitchFamily="18" charset="0"/>
+              </a:rPr>
               <a:t> </a:t>
             </a:r>
             <a:r>
-              <a:rPr lang="en-US" dirty="0" err="1" smtClean="0"/>
-              <a:t>thể</a:t>
-            </a:r>
-            <a:r>
-              <a:rPr lang="en-US" dirty="0" smtClean="0"/>
-              <a:t> </a:t>
-            </a:r>
-            <a:r>
-              <a:rPr lang="en-US" dirty="0" err="1" smtClean="0"/>
-              <a:t>là</a:t>
-            </a:r>
-            <a:r>
-              <a:rPr lang="en-US" dirty="0" smtClean="0"/>
-              <a:t> </a:t>
-            </a:r>
-            <a:r>
-              <a:rPr lang="en-US" dirty="0" err="1" smtClean="0"/>
-              <a:t>chuỗi</a:t>
-            </a:r>
-            <a:r>
-              <a:rPr lang="en-US" dirty="0" smtClean="0"/>
-              <a:t>, </a:t>
-            </a:r>
-            <a:r>
-              <a:rPr lang="en-US" dirty="0" err="1" smtClean="0"/>
-              <a:t>số</a:t>
-            </a:r>
-            <a:endParaRPr lang="en-US" dirty="0" smtClean="0"/>
+              <a:rPr lang="en-US" sz="2000" b="1" dirty="0" err="1" smtClean="0">
+                <a:latin typeface="Times New Roman" pitchFamily="18" charset="0"/>
+                <a:cs typeface="Times New Roman" pitchFamily="18" charset="0"/>
+              </a:rPr>
+              <a:t>mảng</a:t>
+            </a:r>
+            <a:endParaRPr lang="en-US" sz="2000" b="1" dirty="0">
+              <a:latin typeface="Times New Roman" pitchFamily="18" charset="0"/>
+              <a:cs typeface="Times New Roman" pitchFamily="18" charset="0"/>
+            </a:endParaRPr>
           </a:p>
           <a:p>
             <a:pPr marL="0" indent="0">
               <a:buNone/>
             </a:pPr>
             <a:r>
-              <a:rPr lang="en-US" dirty="0"/>
-              <a:t>	</a:t>
-            </a:r>
-            <a:r>
-              <a:rPr lang="en-US" dirty="0" smtClean="0"/>
-              <a:t>$</a:t>
-            </a:r>
-            <a:r>
-              <a:rPr lang="en-US" dirty="0"/>
-              <a:t>animal = ‘string’;</a:t>
+              <a:rPr lang="en-US" sz="2000" dirty="0" smtClean="0">
+                <a:latin typeface="Times New Roman" pitchFamily="18" charset="0"/>
+                <a:cs typeface="Times New Roman" pitchFamily="18" charset="0"/>
+              </a:rPr>
+              <a:t>	$</a:t>
+            </a:r>
+            <a:r>
+              <a:rPr lang="en-US" sz="2000" dirty="0" smtClean="0">
+                <a:latin typeface="Times New Roman" pitchFamily="18" charset="0"/>
+                <a:cs typeface="Times New Roman" pitchFamily="18" charset="0"/>
+              </a:rPr>
+              <a:t>numbers[0] = 44;</a:t>
             </a:r>
           </a:p>
           <a:p>
@@ -8696,91 +10670,36 @@
               <a:buNone/>
             </a:pPr>
             <a:r>
-              <a:rPr lang="en-US" dirty="0"/>
-              <a:t>	$</a:t>
-            </a:r>
-            <a:r>
-              <a:rPr lang="en-US" dirty="0" smtClean="0"/>
-              <a:t>number = </a:t>
-            </a:r>
-            <a:r>
-              <a:rPr lang="en-US" dirty="0"/>
-              <a:t>42;</a:t>
-            </a:r>
-          </a:p>
-          <a:p>
-            <a:pPr marL="0" indent="0">
-              <a:buNone/>
-            </a:pPr>
-            <a:r>
-              <a:rPr lang="en-US" dirty="0" smtClean="0"/>
-              <a:t>	print(“</a:t>
-            </a:r>
-            <a:r>
-              <a:rPr lang="en-US" dirty="0" err="1" smtClean="0"/>
-              <a:t>Kiểu</a:t>
-            </a:r>
-            <a:r>
-              <a:rPr lang="en-US" dirty="0" smtClean="0"/>
-              <a:t> string: $animal\n”);</a:t>
-            </a:r>
-          </a:p>
-          <a:p>
-            <a:pPr marL="0" indent="0">
-              <a:buNone/>
-            </a:pPr>
-            <a:r>
-              <a:rPr lang="en-US" dirty="0" smtClean="0"/>
-              <a:t>	print</a:t>
-            </a:r>
-            <a:r>
-              <a:rPr lang="en-US" dirty="0"/>
-              <a:t>(“</a:t>
-            </a:r>
-            <a:r>
-              <a:rPr lang="en-US" dirty="0" err="1"/>
-              <a:t>Kiểu</a:t>
-            </a:r>
-            <a:r>
-              <a:rPr lang="en-US" dirty="0"/>
-              <a:t> </a:t>
-            </a:r>
-            <a:r>
-              <a:rPr lang="en-US" dirty="0" err="1" smtClean="0"/>
-              <a:t>số</a:t>
-            </a:r>
-            <a:r>
-              <a:rPr lang="en-US" dirty="0" smtClean="0"/>
-              <a:t>: $</a:t>
-            </a:r>
-            <a:r>
-              <a:rPr lang="en-US" dirty="0"/>
-              <a:t> number</a:t>
-            </a:r>
-            <a:r>
-              <a:rPr lang="en-US" dirty="0" smtClean="0"/>
-              <a:t>”);</a:t>
-            </a:r>
-            <a:endParaRPr lang="en-US" dirty="0"/>
-          </a:p>
-          <a:p>
-            <a:pPr marL="0" indent="0">
-              <a:buNone/>
-            </a:pPr>
-            <a:endParaRPr lang="en-US" dirty="0" smtClean="0"/>
+              <a:rPr lang="en-US" sz="2000" dirty="0" smtClean="0">
+                <a:latin typeface="Times New Roman" pitchFamily="18" charset="0"/>
+                <a:cs typeface="Times New Roman" pitchFamily="18" charset="0"/>
+              </a:rPr>
+              <a:t>	@numbers[1, 2] = (12, 13);</a:t>
+            </a:r>
+            <a:endParaRPr lang="en-US" sz="2000" dirty="0" smtClean="0">
+              <a:latin typeface="Times New Roman" pitchFamily="18" charset="0"/>
+              <a:cs typeface="Times New Roman" pitchFamily="18" charset="0"/>
+            </a:endParaRPr>
           </a:p>
         </p:txBody>
       </p:sp>
     </p:spTree>
     <p:extLst>
       <p:ext uri="{BB962C8B-B14F-4D97-AF65-F5344CB8AC3E}">
-        <p14:creationId xmlns:p14="http://schemas.microsoft.com/office/powerpoint/2010/main" val="132639342"/>
+        <p14:creationId xmlns:p14="http://schemas.microsoft.com/office/powerpoint/2010/main" val="2148295496"/>
       </p:ext>
     </p:extLst>
   </p:cSld>
   <p:clrMapOvr>
     <a:masterClrMapping/>
   </p:clrMapOvr>
+  <p:timing>
+    <p:tnLst>
+      <p:par>
+        <p:cTn id="1" dur="indefinite" restart="never" nodeType="tmRoot"/>
+      </p:par>
+    </p:tnLst>
+  </p:timing>
 </p:sld>
 </file>
 
@@ -8817,10 +10736,16 @@
           <a:lstStyle/>
           <a:p>
             <a:r>
-              <a:rPr lang="en-US" dirty="0" smtClean="0"/>
+              <a:rPr lang="en-US" b="1" dirty="0" smtClean="0">
+                <a:latin typeface="Times New Roman" pitchFamily="18" charset="0"/>
+                <a:cs typeface="Times New Roman" pitchFamily="18" charset="0"/>
+              </a:rPr>
               <a:t>Hash</a:t>
             </a:r>
-            <a:endParaRPr lang="en-US" dirty="0"/>
+            <a:endParaRPr lang="en-US" b="1" dirty="0">
+              <a:latin typeface="Times New Roman" pitchFamily="18" charset="0"/>
+              <a:cs typeface="Times New Roman" pitchFamily="18" charset="0"/>
+            </a:endParaRPr>
           </a:p>
         </p:txBody>
       </p:sp>
@@ -8836,100 +10761,342 @@
         </p:nvSpPr>
         <p:spPr>
           <a:xfrm>
-            <a:off x="2589212" y="2133599"/>
-            <a:ext cx="8915400" cy="5042115"/>
+            <a:off x="2614264" y="1435100"/>
+            <a:ext cx="8915400" cy="4765283"/>
           </a:xfrm>
         </p:spPr>
         <p:txBody>
-          <a:bodyPr/>
+          <a:bodyPr>
+            <a:normAutofit/>
+          </a:bodyPr>
           <a:lstStyle/>
           <a:p>
+            <a:pPr>
+              <a:buFont typeface="Wingdings" pitchFamily="2" charset="2"/>
+              <a:buChar char="§"/>
+            </a:pPr>
+            <a:r>
+              <a:rPr lang="en-US" sz="2000" b="1" dirty="0">
+                <a:latin typeface="Times New Roman" pitchFamily="18" charset="0"/>
+                <a:cs typeface="Times New Roman" pitchFamily="18" charset="0"/>
+              </a:rPr>
+              <a:t>	</a:t>
+            </a:r>
+            <a:r>
+              <a:rPr lang="en-US" sz="2000" b="1" dirty="0" err="1" smtClean="0">
+                <a:latin typeface="Times New Roman" pitchFamily="18" charset="0"/>
+                <a:cs typeface="Times New Roman" pitchFamily="18" charset="0"/>
+              </a:rPr>
+              <a:t>Khai</a:t>
+            </a:r>
+            <a:r>
+              <a:rPr lang="en-US" sz="2000" b="1" dirty="0" smtClean="0">
+                <a:latin typeface="Times New Roman" pitchFamily="18" charset="0"/>
+                <a:cs typeface="Times New Roman" pitchFamily="18" charset="0"/>
+              </a:rPr>
+              <a:t> </a:t>
+            </a:r>
+            <a:r>
+              <a:rPr lang="en-US" sz="2000" b="1" dirty="0" err="1" smtClean="0">
+                <a:latin typeface="Times New Roman" pitchFamily="18" charset="0"/>
+                <a:cs typeface="Times New Roman" pitchFamily="18" charset="0"/>
+              </a:rPr>
+              <a:t>báo</a:t>
+            </a:r>
+            <a:endParaRPr lang="en-US" sz="2000" b="1" dirty="0" smtClean="0">
+              <a:latin typeface="Times New Roman" pitchFamily="18" charset="0"/>
+              <a:cs typeface="Times New Roman" pitchFamily="18" charset="0"/>
+            </a:endParaRPr>
+          </a:p>
+          <a:p>
             <a:pPr marL="0" indent="0">
               <a:buNone/>
             </a:pPr>
             <a:r>
-              <a:rPr lang="en-US" dirty="0" smtClean="0"/>
-              <a:t>Hash </a:t>
-            </a:r>
-            <a:r>
-              <a:rPr lang="en-US" dirty="0" err="1" smtClean="0"/>
-              <a:t>bắt</a:t>
-            </a:r>
-            <a:r>
-              <a:rPr lang="en-US" dirty="0" smtClean="0"/>
+              <a:rPr lang="en-US" sz="2000" b="1" dirty="0">
+                <a:latin typeface="Times New Roman" pitchFamily="18" charset="0"/>
+                <a:cs typeface="Times New Roman" pitchFamily="18" charset="0"/>
+              </a:rPr>
+              <a:t>	</a:t>
+            </a:r>
+            <a:r>
+              <a:rPr lang="en-US" sz="2000" b="1" dirty="0" smtClean="0">
+                <a:latin typeface="Times New Roman" pitchFamily="18" charset="0"/>
+                <a:cs typeface="Times New Roman" pitchFamily="18" charset="0"/>
+              </a:rPr>
+              <a:t>%</a:t>
+            </a:r>
+            <a:r>
+              <a:rPr lang="en-US" sz="2000" dirty="0">
+                <a:latin typeface="Times New Roman" pitchFamily="18" charset="0"/>
+                <a:cs typeface="Times New Roman" pitchFamily="18" charset="0"/>
+              </a:rPr>
+              <a:t>color = </a:t>
+            </a:r>
+            <a:r>
+              <a:rPr lang="en-US" sz="2000" dirty="0" smtClean="0">
+                <a:latin typeface="Times New Roman" pitchFamily="18" charset="0"/>
+                <a:cs typeface="Times New Roman" pitchFamily="18" charset="0"/>
+              </a:rPr>
+              <a:t>(</a:t>
+            </a:r>
+            <a:endParaRPr lang="en-US" sz="2000" dirty="0">
+              <a:latin typeface="Times New Roman" pitchFamily="18" charset="0"/>
+              <a:cs typeface="Times New Roman" pitchFamily="18" charset="0"/>
+            </a:endParaRPr>
+          </a:p>
+          <a:p>
+            <a:pPr marL="0" indent="0">
+              <a:buNone/>
+            </a:pPr>
+            <a:r>
+              <a:rPr lang="en-US" sz="2000" dirty="0">
+                <a:latin typeface="Times New Roman" pitchFamily="18" charset="0"/>
+                <a:cs typeface="Times New Roman" pitchFamily="18" charset="0"/>
+              </a:rPr>
+              <a:t>		apple =&gt; ‘red’,</a:t>
+            </a:r>
+          </a:p>
+          <a:p>
+            <a:pPr marL="0" indent="0">
+              <a:buNone/>
+            </a:pPr>
+            <a:r>
+              <a:rPr lang="en-US" sz="2000" dirty="0">
+                <a:latin typeface="Times New Roman" pitchFamily="18" charset="0"/>
+                <a:cs typeface="Times New Roman" pitchFamily="18" charset="0"/>
+              </a:rPr>
+              <a:t>		banana =&gt; ‘yellow’</a:t>
+            </a:r>
+          </a:p>
+          <a:p>
+            <a:pPr marL="0" indent="0">
+              <a:buNone/>
+            </a:pPr>
+            <a:r>
+              <a:rPr lang="en-US" sz="2000" dirty="0">
+                <a:latin typeface="Times New Roman" pitchFamily="18" charset="0"/>
+                <a:cs typeface="Times New Roman" pitchFamily="18" charset="0"/>
+              </a:rPr>
+              <a:t>	);</a:t>
+            </a:r>
+            <a:endParaRPr lang="en-US" sz="2000" b="1" dirty="0">
+              <a:latin typeface="Times New Roman" pitchFamily="18" charset="0"/>
+              <a:cs typeface="Times New Roman" pitchFamily="18" charset="0"/>
+            </a:endParaRPr>
+          </a:p>
+          <a:p>
+            <a:pPr>
+              <a:buFont typeface="Wingdings" pitchFamily="2" charset="2"/>
+              <a:buChar char="§"/>
+            </a:pPr>
+            <a:r>
+              <a:rPr lang="en-US" sz="2000" b="1" dirty="0">
+                <a:latin typeface="Times New Roman" pitchFamily="18" charset="0"/>
+                <a:cs typeface="Times New Roman" pitchFamily="18" charset="0"/>
+              </a:rPr>
+              <a:t>	</a:t>
+            </a:r>
+            <a:r>
+              <a:rPr lang="en-US" sz="2000" b="1" dirty="0" err="1" smtClean="0">
+                <a:latin typeface="Times New Roman" pitchFamily="18" charset="0"/>
+                <a:cs typeface="Times New Roman" pitchFamily="18" charset="0"/>
+              </a:rPr>
+              <a:t>Lấy</a:t>
+            </a:r>
+            <a:r>
+              <a:rPr lang="en-US" sz="2000" b="1" dirty="0" smtClean="0">
+                <a:latin typeface="Times New Roman" pitchFamily="18" charset="0"/>
+                <a:cs typeface="Times New Roman" pitchFamily="18" charset="0"/>
+              </a:rPr>
               <a:t> </a:t>
             </a:r>
             <a:r>
-              <a:rPr lang="en-US" dirty="0" err="1" smtClean="0"/>
-              <a:t>đầu</a:t>
-            </a:r>
-            <a:r>
-              <a:rPr lang="en-US" dirty="0" smtClean="0"/>
+              <a:rPr lang="en-US" sz="2000" b="1" dirty="0" err="1" smtClean="0">
+                <a:latin typeface="Times New Roman" pitchFamily="18" charset="0"/>
+                <a:cs typeface="Times New Roman" pitchFamily="18" charset="0"/>
+              </a:rPr>
+              <a:t>giá</a:t>
+            </a:r>
+            <a:r>
+              <a:rPr lang="en-US" sz="2000" b="1" dirty="0" smtClean="0">
+                <a:latin typeface="Times New Roman" pitchFamily="18" charset="0"/>
+                <a:cs typeface="Times New Roman" pitchFamily="18" charset="0"/>
+              </a:rPr>
               <a:t> </a:t>
             </a:r>
             <a:r>
-              <a:rPr lang="en-US" dirty="0" err="1" smtClean="0"/>
-              <a:t>bằng</a:t>
-            </a:r>
-            <a:r>
-              <a:rPr lang="en-US" dirty="0" smtClean="0"/>
+              <a:rPr lang="en-US" sz="2000" b="1" dirty="0" err="1" smtClean="0">
+                <a:latin typeface="Times New Roman" pitchFamily="18" charset="0"/>
+                <a:cs typeface="Times New Roman" pitchFamily="18" charset="0"/>
+              </a:rPr>
+              <a:t>trị</a:t>
+            </a:r>
+            <a:r>
+              <a:rPr lang="en-US" sz="2000" b="1" dirty="0" smtClean="0">
+                <a:latin typeface="Times New Roman" pitchFamily="18" charset="0"/>
+                <a:cs typeface="Times New Roman" pitchFamily="18" charset="0"/>
+              </a:rPr>
               <a:t> </a:t>
             </a:r>
             <a:r>
-              <a:rPr lang="en-US" dirty="0" err="1" smtClean="0"/>
+              <a:rPr lang="en-US" sz="2000" b="1" dirty="0" err="1" smtClean="0">
+                <a:latin typeface="Times New Roman" pitchFamily="18" charset="0"/>
+                <a:cs typeface="Times New Roman" pitchFamily="18" charset="0"/>
+              </a:rPr>
               <a:t>phần</a:t>
             </a:r>
             <a:r>
-              <a:rPr lang="en-US" dirty="0" smtClean="0"/>
+              <a:rPr lang="en-US" sz="2000" b="1" dirty="0" smtClean="0">
+                <a:latin typeface="Times New Roman" pitchFamily="18" charset="0"/>
+                <a:cs typeface="Times New Roman" pitchFamily="18" charset="0"/>
+              </a:rPr>
               <a:t> </a:t>
             </a:r>
             <a:r>
-              <a:rPr lang="en-US" dirty="0" err="1" smtClean="0"/>
+              <a:rPr lang="en-US" sz="2000" b="1" dirty="0" err="1" smtClean="0">
+                <a:latin typeface="Times New Roman" pitchFamily="18" charset="0"/>
+                <a:cs typeface="Times New Roman" pitchFamily="18" charset="0"/>
+              </a:rPr>
               <a:t>tử</a:t>
             </a:r>
             <a:r>
-              <a:rPr lang="en-US" dirty="0" smtClean="0"/>
+              <a:rPr lang="en-US" sz="2000" b="1" dirty="0" smtClean="0">
+                <a:latin typeface="Times New Roman" pitchFamily="18" charset="0"/>
+                <a:cs typeface="Times New Roman" pitchFamily="18" charset="0"/>
+              </a:rPr>
               <a:t> </a:t>
             </a:r>
             <a:r>
-              <a:rPr lang="en-US" dirty="0" err="1" smtClean="0"/>
-              <a:t>thứ</a:t>
-            </a:r>
-            <a:r>
-              <a:rPr lang="en-US" dirty="0" smtClean="0"/>
-              <a:t> 0, </a:t>
-            </a:r>
-            <a:r>
-              <a:rPr lang="en-US" dirty="0" err="1" smtClean="0"/>
-              <a:t>bắt</a:t>
-            </a:r>
-            <a:r>
-              <a:rPr lang="en-US" dirty="0" smtClean="0"/>
+              <a:rPr lang="en-US" sz="2000" b="1" dirty="0" err="1" smtClean="0">
+                <a:latin typeface="Times New Roman" pitchFamily="18" charset="0"/>
+                <a:cs typeface="Times New Roman" pitchFamily="18" charset="0"/>
+              </a:rPr>
+              <a:t>trong</a:t>
+            </a:r>
+            <a:r>
+              <a:rPr lang="en-US" sz="2000" b="1" dirty="0" smtClean="0">
+                <a:latin typeface="Times New Roman" pitchFamily="18" charset="0"/>
+                <a:cs typeface="Times New Roman" pitchFamily="18" charset="0"/>
+              </a:rPr>
               <a:t> </a:t>
             </a:r>
             <a:r>
-              <a:rPr lang="en-US" dirty="0" err="1" smtClean="0"/>
-              <a:t>đầu</a:t>
-            </a:r>
-            <a:r>
-              <a:rPr lang="en-US" dirty="0" smtClean="0"/>
+              <a:rPr lang="en-US" sz="2000" b="1" dirty="0" smtClean="0">
+                <a:latin typeface="Times New Roman" pitchFamily="18" charset="0"/>
+                <a:cs typeface="Times New Roman" pitchFamily="18" charset="0"/>
+              </a:rPr>
+              <a:t>hash</a:t>
+            </a:r>
+            <a:endParaRPr lang="en-US" sz="2000" b="1" dirty="0" smtClean="0">
+              <a:latin typeface="Times New Roman" pitchFamily="18" charset="0"/>
+              <a:cs typeface="Times New Roman" pitchFamily="18" charset="0"/>
+            </a:endParaRPr>
+          </a:p>
+          <a:p>
+            <a:pPr marL="0" indent="0">
+              <a:buNone/>
+            </a:pPr>
+            <a:r>
+              <a:rPr lang="en-US" sz="2000" b="1" dirty="0">
+                <a:latin typeface="Times New Roman" pitchFamily="18" charset="0"/>
+                <a:cs typeface="Times New Roman" pitchFamily="18" charset="0"/>
+              </a:rPr>
+              <a:t>	</a:t>
+            </a:r>
+            <a:r>
+              <a:rPr lang="en-US" sz="2000" b="1" dirty="0" smtClean="0">
+                <a:latin typeface="Times New Roman" pitchFamily="18" charset="0"/>
+                <a:cs typeface="Times New Roman" pitchFamily="18" charset="0"/>
+              </a:rPr>
+              <a:t>$</a:t>
+            </a:r>
+            <a:r>
+              <a:rPr lang="en-US" sz="2000" dirty="0" smtClean="0">
+                <a:latin typeface="Times New Roman" pitchFamily="18" charset="0"/>
+                <a:cs typeface="Times New Roman" pitchFamily="18" charset="0"/>
+              </a:rPr>
+              <a:t>color{‘apple</a:t>
+            </a:r>
+            <a:r>
+              <a:rPr lang="en-US" sz="2000" dirty="0" smtClean="0">
+                <a:latin typeface="Times New Roman" pitchFamily="18" charset="0"/>
+                <a:cs typeface="Times New Roman" pitchFamily="18" charset="0"/>
+              </a:rPr>
+              <a:t>’}</a:t>
+            </a:r>
+            <a:endParaRPr lang="en-US" sz="2000" dirty="0" smtClean="0">
+              <a:latin typeface="Times New Roman" pitchFamily="18" charset="0"/>
+              <a:cs typeface="Times New Roman" pitchFamily="18" charset="0"/>
+            </a:endParaRPr>
+          </a:p>
+          <a:p>
+            <a:pPr>
+              <a:buFont typeface="Wingdings" pitchFamily="2" charset="2"/>
+              <a:buChar char="§"/>
+            </a:pPr>
+            <a:r>
+              <a:rPr lang="en-US" sz="2000" b="1" dirty="0">
+                <a:latin typeface="Times New Roman" pitchFamily="18" charset="0"/>
+                <a:cs typeface="Times New Roman" pitchFamily="18" charset="0"/>
+              </a:rPr>
+              <a:t>	</a:t>
+            </a:r>
+            <a:r>
+              <a:rPr lang="en-US" sz="2000" b="1" dirty="0" err="1" smtClean="0">
+                <a:latin typeface="Times New Roman" pitchFamily="18" charset="0"/>
+                <a:cs typeface="Times New Roman" pitchFamily="18" charset="0"/>
+              </a:rPr>
+              <a:t>Lấy</a:t>
+            </a:r>
+            <a:r>
+              <a:rPr lang="en-US" sz="2000" b="1" dirty="0" smtClean="0">
+                <a:latin typeface="Times New Roman" pitchFamily="18" charset="0"/>
+                <a:cs typeface="Times New Roman" pitchFamily="18" charset="0"/>
+              </a:rPr>
               <a:t> </a:t>
             </a:r>
             <a:r>
-              <a:rPr lang="en-US" dirty="0" err="1" smtClean="0"/>
-              <a:t>điểm</a:t>
-            </a:r>
-            <a:r>
-              <a:rPr lang="en-US" dirty="0" smtClean="0"/>
+              <a:rPr lang="en-US" sz="2000" b="1" dirty="0" err="1" smtClean="0">
+                <a:latin typeface="Times New Roman" pitchFamily="18" charset="0"/>
+                <a:cs typeface="Times New Roman" pitchFamily="18" charset="0"/>
+              </a:rPr>
+              <a:t>danh</a:t>
+            </a:r>
+            <a:r>
+              <a:rPr lang="en-US" sz="2000" b="1" dirty="0" smtClean="0">
+                <a:latin typeface="Times New Roman" pitchFamily="18" charset="0"/>
+                <a:cs typeface="Times New Roman" pitchFamily="18" charset="0"/>
+              </a:rPr>
               <a:t> </a:t>
             </a:r>
             <a:r>
-              <a:rPr lang="en-US" dirty="0" err="1" smtClean="0"/>
-              <a:t>cuỗi</a:t>
-            </a:r>
-            <a:r>
-              <a:rPr lang="en-US" dirty="0" smtClean="0"/>
-              <a:t> -1</a:t>
+              <a:rPr lang="en-US" sz="2000" b="1" dirty="0" err="1" smtClean="0">
+                <a:latin typeface="Times New Roman" pitchFamily="18" charset="0"/>
+                <a:cs typeface="Times New Roman" pitchFamily="18" charset="0"/>
+              </a:rPr>
+              <a:t>sách</a:t>
+            </a:r>
+            <a:r>
+              <a:rPr lang="en-US" sz="2000" b="1" dirty="0" smtClean="0">
+                <a:latin typeface="Times New Roman" pitchFamily="18" charset="0"/>
+                <a:cs typeface="Times New Roman" pitchFamily="18" charset="0"/>
+              </a:rPr>
+              <a:t> keys </a:t>
+            </a:r>
+            <a:r>
+              <a:rPr lang="en-US" sz="2000" b="1" dirty="0" err="1" smtClean="0">
+                <a:latin typeface="Times New Roman" pitchFamily="18" charset="0"/>
+                <a:cs typeface="Times New Roman" pitchFamily="18" charset="0"/>
+              </a:rPr>
+              <a:t>và</a:t>
+            </a:r>
+            <a:r>
+              <a:rPr lang="en-US" sz="2000" b="1" dirty="0" smtClean="0">
+                <a:latin typeface="Times New Roman" pitchFamily="18" charset="0"/>
+                <a:cs typeface="Times New Roman" pitchFamily="18" charset="0"/>
+              </a:rPr>
+              <a:t> value</a:t>
             </a:r>
           </a:p>
           <a:p>
@@ -8937,12 +11104,18 @@
               <a:buNone/>
             </a:pPr>
             <a:r>
-              <a:rPr lang="en-US" b="1" dirty="0"/>
+              <a:rPr lang="en-US" sz="2000" b="1" dirty="0">
+                <a:latin typeface="Times New Roman" pitchFamily="18" charset="0"/>
+                <a:cs typeface="Times New Roman" pitchFamily="18" charset="0"/>
+              </a:rPr>
               <a:t>	</a:t>
             </a:r>
             <a:r>
-              <a:rPr lang="en-US" dirty="0"/>
-              <a:t>@animals = (‘camel’, ‘lama’);</a:t>
+              <a:rPr lang="en-US" sz="2000" dirty="0" smtClean="0">
+                <a:latin typeface="Times New Roman" pitchFamily="18" charset="0"/>
+                <a:cs typeface="Times New Roman" pitchFamily="18" charset="0"/>
+              </a:rPr>
+              <a:t>@keys = keys(%color);</a:t>
             </a:r>
           </a:p>
           <a:p>
@@ -8950,226 +11123,30 @@
               <a:buNone/>
             </a:pPr>
             <a:r>
-              <a:rPr lang="en-US" b="1" dirty="0"/>
+              <a:rPr lang="en-US" sz="2000" b="1" dirty="0">
+                <a:latin typeface="Times New Roman" pitchFamily="18" charset="0"/>
+                <a:cs typeface="Times New Roman" pitchFamily="18" charset="0"/>
+              </a:rPr>
               <a:t>	</a:t>
             </a:r>
             <a:r>
-              <a:rPr lang="en-US" dirty="0"/>
-              <a:t>@numbers = (23, 42, 87);</a:t>
-            </a:r>
-          </a:p>
-          <a:p>
-            <a:pPr marL="0" indent="0">
-              <a:buNone/>
-            </a:pPr>
-            <a:r>
-              <a:rPr lang="en-US" b="1" dirty="0"/>
-              <a:t>	</a:t>
-            </a:r>
-            <a:r>
-              <a:rPr lang="en-US" dirty="0"/>
-              <a:t>@mixed = (‘camel’, </a:t>
-            </a:r>
-            <a:r>
-              <a:rPr lang="en-US" dirty="0" smtClean="0"/>
-              <a:t>42);</a:t>
-            </a:r>
-          </a:p>
-          <a:p>
-            <a:pPr marL="0" indent="0">
-              <a:buNone/>
-            </a:pPr>
-            <a:r>
-              <a:rPr lang="en-US" dirty="0" smtClean="0"/>
-              <a:t>Print(“</a:t>
-            </a:r>
-            <a:r>
-              <a:rPr lang="en-US" dirty="0" err="1" smtClean="0"/>
-              <a:t>gia</a:t>
-            </a:r>
-            <a:r>
-              <a:rPr lang="en-US" dirty="0" smtClean="0"/>
-              <a:t> tri </a:t>
-            </a:r>
-            <a:r>
-              <a:rPr lang="en-US" dirty="0" err="1" smtClean="0"/>
-              <a:t>phan</a:t>
-            </a:r>
-            <a:r>
-              <a:rPr lang="en-US" dirty="0" smtClean="0"/>
-              <a:t> </a:t>
-            </a:r>
-            <a:r>
-              <a:rPr lang="en-US" dirty="0" err="1" smtClean="0"/>
-              <a:t>tu</a:t>
-            </a:r>
-            <a:r>
-              <a:rPr lang="en-US" dirty="0" smtClean="0"/>
-              <a:t> </a:t>
-            </a:r>
-            <a:r>
-              <a:rPr lang="en-US" dirty="0" err="1" smtClean="0"/>
-              <a:t>đầu</a:t>
-            </a:r>
-            <a:r>
-              <a:rPr lang="en-US" dirty="0" smtClean="0"/>
-              <a:t> </a:t>
-            </a:r>
-            <a:r>
-              <a:rPr lang="en-US" dirty="0" err="1" smtClean="0"/>
-              <a:t>tiên</a:t>
-            </a:r>
-            <a:r>
-              <a:rPr lang="en-US" dirty="0" smtClean="0"/>
-              <a:t> la $animals[0]”);</a:t>
-            </a:r>
-          </a:p>
-          <a:p>
-            <a:pPr marL="0" indent="0">
-              <a:buNone/>
-            </a:pPr>
-            <a:r>
-              <a:rPr lang="en-US" dirty="0"/>
-              <a:t>Print(“</a:t>
-            </a:r>
-            <a:r>
-              <a:rPr lang="en-US" dirty="0" err="1"/>
-              <a:t>gia</a:t>
-            </a:r>
-            <a:r>
-              <a:rPr lang="en-US" dirty="0"/>
-              <a:t> tri </a:t>
-            </a:r>
-            <a:r>
-              <a:rPr lang="en-US" dirty="0" err="1"/>
-              <a:t>phan</a:t>
-            </a:r>
-            <a:r>
-              <a:rPr lang="en-US" dirty="0"/>
-              <a:t> </a:t>
-            </a:r>
-            <a:r>
-              <a:rPr lang="en-US" dirty="0" err="1"/>
-              <a:t>tu</a:t>
-            </a:r>
-            <a:r>
-              <a:rPr lang="en-US" dirty="0"/>
-              <a:t> </a:t>
-            </a:r>
-            <a:r>
-              <a:rPr lang="en-US" dirty="0" err="1" smtClean="0"/>
-              <a:t>cuối</a:t>
-            </a:r>
-            <a:r>
-              <a:rPr lang="en-US" dirty="0" smtClean="0"/>
-              <a:t> </a:t>
-            </a:r>
-            <a:r>
-              <a:rPr lang="en-US" dirty="0" err="1" smtClean="0"/>
-              <a:t>cùng</a:t>
-            </a:r>
-            <a:r>
-              <a:rPr lang="en-US" dirty="0" smtClean="0"/>
-              <a:t> la </a:t>
-            </a:r>
-            <a:r>
-              <a:rPr lang="en-US" dirty="0"/>
-              <a:t>$animals</a:t>
-            </a:r>
-            <a:r>
-              <a:rPr lang="en-US" dirty="0" smtClean="0"/>
-              <a:t>[-1]”);</a:t>
-            </a:r>
-            <a:endParaRPr lang="en-US" dirty="0"/>
-          </a:p>
-          <a:p>
-            <a:pPr marL="0" indent="0">
-              <a:buNone/>
-            </a:pPr>
-            <a:r>
-              <a:rPr lang="en-US" dirty="0" err="1" smtClean="0"/>
-              <a:t>Lấy</a:t>
-            </a:r>
-            <a:r>
-              <a:rPr lang="en-US" dirty="0"/>
-              <a:t> </a:t>
-            </a:r>
-            <a:r>
-              <a:rPr lang="en-US" dirty="0" err="1" smtClean="0"/>
-              <a:t>nhiều</a:t>
-            </a:r>
-            <a:r>
-              <a:rPr lang="en-US" dirty="0" smtClean="0"/>
-              <a:t> </a:t>
-            </a:r>
-            <a:r>
-              <a:rPr lang="en-US" dirty="0" err="1" smtClean="0"/>
-              <a:t>giá</a:t>
-            </a:r>
-            <a:r>
-              <a:rPr lang="en-US" dirty="0" smtClean="0"/>
-              <a:t> </a:t>
-            </a:r>
-            <a:r>
-              <a:rPr lang="en-US" dirty="0" err="1" smtClean="0"/>
-              <a:t>trị</a:t>
-            </a:r>
-            <a:r>
-              <a:rPr lang="en-US" dirty="0" smtClean="0"/>
-              <a:t> </a:t>
-            </a:r>
-            <a:r>
-              <a:rPr lang="en-US" dirty="0" err="1" smtClean="0"/>
-              <a:t>từ</a:t>
-            </a:r>
-            <a:r>
-              <a:rPr lang="en-US" dirty="0" smtClean="0"/>
-              <a:t> 1 hash</a:t>
-            </a:r>
-          </a:p>
-          <a:p>
-            <a:pPr marL="0" indent="0">
-              <a:buNone/>
-            </a:pPr>
-            <a:r>
-              <a:rPr lang="en-US" dirty="0" smtClean="0"/>
-              <a:t>@numbers[0,1];</a:t>
-            </a:r>
-          </a:p>
-          <a:p>
-            <a:pPr marL="0" indent="0">
-              <a:buNone/>
-            </a:pPr>
-            <a:r>
-              <a:rPr lang="en-US" dirty="0" err="1" smtClean="0"/>
-              <a:t>Gộp</a:t>
-            </a:r>
-            <a:r>
-              <a:rPr lang="en-US" dirty="0" smtClean="0"/>
-              <a:t> </a:t>
-            </a:r>
-            <a:r>
-              <a:rPr lang="en-US" dirty="0" err="1" smtClean="0"/>
-              <a:t>mảng</a:t>
-            </a:r>
-            <a:endParaRPr lang="en-US" dirty="0" smtClean="0"/>
-          </a:p>
-          <a:p>
-            <a:pPr marL="0" indent="0">
-              <a:buNone/>
-            </a:pPr>
-            <a:r>
-              <a:rPr lang="en-US" dirty="0" smtClean="0"/>
-              <a:t>()</a:t>
-            </a:r>
-            <a:endParaRPr lang="en-US" dirty="0"/>
+              <a:rPr lang="en-US" sz="2000" dirty="0" smtClean="0">
+                <a:latin typeface="Times New Roman" pitchFamily="18" charset="0"/>
+                <a:cs typeface="Times New Roman" pitchFamily="18" charset="0"/>
+              </a:rPr>
+              <a:t>@values = values(%color);</a:t>
+            </a:r>
+            <a:endParaRPr lang="en-US" sz="2000" b="1" dirty="0" smtClean="0">
+              <a:latin typeface="Times New Roman" pitchFamily="18" charset="0"/>
+              <a:cs typeface="Times New Roman" pitchFamily="18" charset="0"/>
+            </a:endParaRPr>
           </a:p>
         </p:txBody>
       </p:sp>
     </p:spTree>
     <p:extLst>
       <p:ext uri="{BB962C8B-B14F-4D97-AF65-F5344CB8AC3E}">
-        <p14:creationId xmlns:p14="http://schemas.microsoft.com/office/powerpoint/2010/main" val="2148295496"/>
+        <p14:creationId xmlns:p14="http://schemas.microsoft.com/office/powerpoint/2010/main" val="149610851"/>
       </p:ext>
     </p:extLst>
   </p:cSld>
@@ -9212,10 +11189,68 @@
           <a:lstStyle/>
           <a:p>
             <a:r>
-              <a:rPr lang="en-US" b="1" dirty="0" smtClean="0"/>
-              <a:t>Hash</a:t>
-            </a:r>
-            <a:endParaRPr lang="en-US" b="1" dirty="0"/>
+              <a:rPr lang="en-US" b="1" dirty="0" err="1">
+                <a:latin typeface="Times New Roman" pitchFamily="18" charset="0"/>
+                <a:cs typeface="Times New Roman" pitchFamily="18" charset="0"/>
+              </a:rPr>
+              <a:t>Câu</a:t>
+            </a:r>
+            <a:r>
+              <a:rPr lang="en-US" b="1" dirty="0">
+                <a:latin typeface="Times New Roman" pitchFamily="18" charset="0"/>
+                <a:cs typeface="Times New Roman" pitchFamily="18" charset="0"/>
+              </a:rPr>
+              <a:t> </a:t>
+            </a:r>
+            <a:r>
+              <a:rPr lang="en-US" b="1" dirty="0" err="1">
+                <a:latin typeface="Times New Roman" pitchFamily="18" charset="0"/>
+                <a:cs typeface="Times New Roman" pitchFamily="18" charset="0"/>
+              </a:rPr>
+              <a:t>lệnh</a:t>
+            </a:r>
+            <a:r>
+              <a:rPr lang="en-US" b="1" dirty="0">
+                <a:latin typeface="Times New Roman" pitchFamily="18" charset="0"/>
+                <a:cs typeface="Times New Roman" pitchFamily="18" charset="0"/>
+              </a:rPr>
+              <a:t> </a:t>
+            </a:r>
+            <a:r>
+              <a:rPr lang="en-US" b="1" dirty="0" err="1">
+                <a:latin typeface="Times New Roman" pitchFamily="18" charset="0"/>
+                <a:cs typeface="Times New Roman" pitchFamily="18" charset="0"/>
+              </a:rPr>
+              <a:t>điều</a:t>
+            </a:r>
+            <a:r>
+              <a:rPr lang="en-US" b="1" dirty="0">
+                <a:latin typeface="Times New Roman" pitchFamily="18" charset="0"/>
+                <a:cs typeface="Times New Roman" pitchFamily="18" charset="0"/>
+              </a:rPr>
+              <a:t> </a:t>
+            </a:r>
+            <a:r>
+              <a:rPr lang="en-US" b="1" dirty="0" err="1">
+                <a:latin typeface="Times New Roman" pitchFamily="18" charset="0"/>
+                <a:cs typeface="Times New Roman" pitchFamily="18" charset="0"/>
+              </a:rPr>
+              <a:t>khiển</a:t>
+            </a:r>
+            <a:r>
+              <a:rPr lang="en-US" b="1" dirty="0">
+                <a:latin typeface="Times New Roman" pitchFamily="18" charset="0"/>
+                <a:cs typeface="Times New Roman" pitchFamily="18" charset="0"/>
+              </a:rPr>
+              <a:t/>
+            </a:r>
+            <a:br>
+              <a:rPr lang="en-US" b="1" dirty="0">
+                <a:latin typeface="Times New Roman" pitchFamily="18" charset="0"/>
+                <a:cs typeface="Times New Roman" pitchFamily="18" charset="0"/>
+              </a:rPr>
+            </a:br>
+            <a:endParaRPr lang="en-US" dirty="0"/>
           </a:p>
         </p:txBody>
       </p:sp>
@@ -9229,249 +11264,290 @@
             <p:ph idx="1"/>
           </p:nvPr>
         </p:nvSpPr>
-        <p:spPr>
-          <a:xfrm>
-            <a:off x="2589212" y="2133600"/>
-            <a:ext cx="8915400" cy="4267200"/>
-          </a:xfrm>
-        </p:spPr>
+        <p:spPr/>
         <p:txBody>
           <a:bodyPr>
             <a:normAutofit/>
           </a:bodyPr>
           <a:lstStyle/>
           <a:p>
-            <a:r>
-              <a:rPr lang="en-US" dirty="0" smtClean="0"/>
-              <a:t>Hash </a:t>
-            </a:r>
-            <a:r>
-              <a:rPr lang="en-US" dirty="0" err="1" smtClean="0"/>
-              <a:t>là</a:t>
-            </a:r>
-            <a:r>
-              <a:rPr lang="en-US" dirty="0" smtClean="0"/>
-              <a:t> 1 </a:t>
-            </a:r>
-            <a:r>
-              <a:rPr lang="en-US" dirty="0" err="1" smtClean="0"/>
-              <a:t>mảng</a:t>
-            </a:r>
-            <a:r>
-              <a:rPr lang="en-US" dirty="0" smtClean="0"/>
-              <a:t> </a:t>
-            </a:r>
-            <a:r>
-              <a:rPr lang="en-US" dirty="0" err="1" smtClean="0"/>
-              <a:t>hai</a:t>
-            </a:r>
-            <a:r>
-              <a:rPr lang="en-US" dirty="0" smtClean="0"/>
-              <a:t> </a:t>
-            </a:r>
-            <a:r>
-              <a:rPr lang="en-US" dirty="0" err="1" smtClean="0"/>
-              <a:t>báo</a:t>
-            </a:r>
-            <a:r>
-              <a:rPr lang="en-US" dirty="0" smtClean="0"/>
-              <a:t> key </a:t>
-            </a:r>
-            <a:r>
-              <a:rPr lang="en-US" dirty="0" err="1" smtClean="0"/>
-              <a:t>và</a:t>
-            </a:r>
-            <a:r>
-              <a:rPr lang="en-US" dirty="0" smtClean="0"/>
-              <a:t> value</a:t>
-            </a:r>
-          </a:p>
-          <a:p>
-            <a:pPr marL="0" indent="0">
-              <a:buNone/>
+            <a:pPr>
+              <a:buFont typeface="Wingdings" pitchFamily="2" charset="2"/>
+              <a:buChar char="§"/>
             </a:pPr>
             <a:r>
-              <a:rPr lang="en-US" b="1" dirty="0"/>
-              <a:t>	%</a:t>
-            </a:r>
-            <a:r>
-              <a:rPr lang="en-US" dirty="0"/>
-              <a:t>color = </a:t>
-            </a:r>
-            <a:r>
-              <a:rPr lang="en-US" dirty="0" smtClean="0"/>
-              <a:t>(d</a:t>
-            </a:r>
-            <a:endParaRPr lang="en-US" dirty="0"/>
-          </a:p>
-          <a:p>
-            <a:pPr marL="0" indent="0">
-              <a:buNone/>
+              <a:rPr lang="en-US" sz="3600" b="1" dirty="0" smtClean="0">
+                <a:latin typeface="Times New Roman" pitchFamily="18" charset="0"/>
+                <a:cs typeface="Times New Roman" pitchFamily="18" charset="0"/>
+              </a:rPr>
+              <a:t>if/ else if/ else /Unless</a:t>
+            </a:r>
+          </a:p>
+          <a:p>
+            <a:pPr>
+              <a:buFont typeface="Wingdings" pitchFamily="2" charset="2"/>
+              <a:buChar char="§"/>
             </a:pPr>
             <a:r>
-              <a:rPr lang="en-US" dirty="0"/>
-              <a:t>		apple =&gt; ‘red’,</a:t>
-            </a:r>
-          </a:p>
-          <a:p>
-            <a:pPr marL="0" indent="0">
-              <a:buNone/>
+              <a:rPr lang="en-US" sz="3600" b="1" dirty="0">
+                <a:latin typeface="Times New Roman" pitchFamily="18" charset="0"/>
+                <a:cs typeface="Times New Roman" pitchFamily="18" charset="0"/>
+              </a:rPr>
+              <a:t>f</a:t>
+            </a:r>
+            <a:r>
+              <a:rPr lang="en-US" sz="3600" b="1" dirty="0" smtClean="0">
+                <a:latin typeface="Times New Roman" pitchFamily="18" charset="0"/>
+                <a:cs typeface="Times New Roman" pitchFamily="18" charset="0"/>
+              </a:rPr>
+              <a:t>or/</a:t>
+            </a:r>
+            <a:r>
+              <a:rPr lang="en-US" sz="3600" b="1" dirty="0" err="1" smtClean="0">
+                <a:latin typeface="Times New Roman" pitchFamily="18" charset="0"/>
+                <a:cs typeface="Times New Roman" pitchFamily="18" charset="0"/>
+              </a:rPr>
+              <a:t>foreach</a:t>
+            </a:r>
+            <a:endParaRPr lang="en-US" sz="3600" b="1" dirty="0" smtClean="0">
+              <a:latin typeface="Times New Roman" pitchFamily="18" charset="0"/>
+              <a:cs typeface="Times New Roman" pitchFamily="18" charset="0"/>
+            </a:endParaRPr>
+          </a:p>
+          <a:p>
+            <a:pPr>
+              <a:buFont typeface="Wingdings" pitchFamily="2" charset="2"/>
+              <a:buChar char="§"/>
             </a:pPr>
             <a:r>
-              <a:rPr lang="en-US" dirty="0"/>
-              <a:t>		banana =&gt; ‘yellow’</a:t>
-            </a:r>
-          </a:p>
-          <a:p>
-            <a:pPr marL="0" indent="0">
-              <a:buNone/>
-            </a:pPr>
-            <a:r>
-              <a:rPr lang="en-US" dirty="0"/>
-              <a:t>	);</a:t>
-            </a:r>
-            <a:endParaRPr lang="en-US" b="1" dirty="0"/>
-          </a:p>
-          <a:p>
-            <a:pPr marL="0" indent="0">
-              <a:buNone/>
-            </a:pPr>
-            <a:r>
-              <a:rPr lang="en-US" b="1" dirty="0"/>
-              <a:t>	</a:t>
-            </a:r>
-            <a:r>
-              <a:rPr lang="en-US" dirty="0" err="1" smtClean="0"/>
-              <a:t>Lấy</a:t>
-            </a:r>
-            <a:r>
-              <a:rPr lang="en-US" dirty="0" smtClean="0"/>
-              <a:t> </a:t>
-            </a:r>
-            <a:r>
-              <a:rPr lang="en-US" dirty="0" err="1" smtClean="0"/>
-              <a:t>giá</a:t>
-            </a:r>
-            <a:r>
-              <a:rPr lang="en-US" dirty="0" smtClean="0"/>
-              <a:t> </a:t>
-            </a:r>
-            <a:r>
-              <a:rPr lang="en-US" dirty="0" err="1" smtClean="0"/>
-              <a:t>trị</a:t>
-            </a:r>
-            <a:r>
-              <a:rPr lang="en-US" dirty="0" smtClean="0"/>
-              <a:t> </a:t>
-            </a:r>
-            <a:r>
-              <a:rPr lang="en-US" dirty="0" err="1" smtClean="0"/>
-              <a:t>phần</a:t>
-            </a:r>
-            <a:r>
-              <a:rPr lang="en-US" dirty="0" smtClean="0"/>
-              <a:t> </a:t>
-            </a:r>
-            <a:r>
-              <a:rPr lang="en-US" dirty="0" err="1" smtClean="0"/>
-              <a:t>tử</a:t>
-            </a:r>
-            <a:r>
-              <a:rPr lang="en-US" dirty="0" smtClean="0"/>
-              <a:t> hash</a:t>
-            </a:r>
-          </a:p>
-          <a:p>
-            <a:pPr marL="0" indent="0">
-              <a:buNone/>
-            </a:pPr>
-            <a:r>
-              <a:rPr lang="en-US" b="1" dirty="0"/>
-              <a:t>	</a:t>
-            </a:r>
-            <a:r>
-              <a:rPr lang="en-US" b="1" dirty="0" smtClean="0"/>
-              <a:t>$</a:t>
-            </a:r>
-            <a:r>
-              <a:rPr lang="en-US" dirty="0" smtClean="0"/>
-              <a:t>color{‘apple’}</a:t>
-            </a:r>
-          </a:p>
-          <a:p>
-            <a:pPr marL="0" indent="0">
-              <a:buNone/>
-            </a:pPr>
-            <a:r>
-              <a:rPr lang="en-US" b="1" dirty="0"/>
-              <a:t>	</a:t>
-            </a:r>
-            <a:r>
-              <a:rPr lang="en-US" b="1" dirty="0" err="1" smtClean="0"/>
-              <a:t>Lấy</a:t>
-            </a:r>
-            <a:r>
-              <a:rPr lang="en-US" b="1" dirty="0" smtClean="0"/>
-              <a:t> </a:t>
-            </a:r>
-            <a:r>
-              <a:rPr lang="en-US" b="1" dirty="0" err="1" smtClean="0"/>
-              <a:t>danh</a:t>
-            </a:r>
-            <a:r>
-              <a:rPr lang="en-US" b="1" dirty="0" smtClean="0"/>
-              <a:t> </a:t>
-            </a:r>
-            <a:r>
-              <a:rPr lang="en-US" b="1" dirty="0" err="1" smtClean="0"/>
-              <a:t>sách</a:t>
-            </a:r>
-            <a:r>
-              <a:rPr lang="en-US" b="1" dirty="0" smtClean="0"/>
-              <a:t> keys </a:t>
-            </a:r>
-            <a:r>
-              <a:rPr lang="en-US" b="1" dirty="0" err="1" smtClean="0"/>
-              <a:t>và</a:t>
-            </a:r>
-            <a:r>
-              <a:rPr lang="en-US" b="1" dirty="0" smtClean="0"/>
-              <a:t> value</a:t>
-            </a:r>
-          </a:p>
-          <a:p>
-            <a:pPr marL="0" indent="0">
-              <a:buNone/>
-            </a:pPr>
-            <a:r>
-              <a:rPr lang="en-US" b="1" dirty="0"/>
-              <a:t>	</a:t>
-            </a:r>
-            <a:r>
-              <a:rPr lang="en-US" dirty="0" smtClean="0"/>
-              <a:t>@keys = keys(%color);</a:t>
-            </a:r>
-          </a:p>
-          <a:p>
-            <a:pPr marL="0" indent="0">
-              <a:buNone/>
-            </a:pPr>
-            <a:r>
-              <a:rPr lang="en-US" b="1" dirty="0"/>
-              <a:t>	</a:t>
-            </a:r>
-            <a:r>
-              <a:rPr lang="en-US" dirty="0" smtClean="0"/>
-              <a:t>@values = values(%color);</a:t>
-            </a:r>
-            <a:endParaRPr lang="en-US" b="1" dirty="0" smtClean="0"/>
+              <a:rPr lang="en-US" sz="3600" b="1" dirty="0" smtClean="0">
+                <a:latin typeface="Times New Roman" pitchFamily="18" charset="0"/>
+                <a:cs typeface="Times New Roman" pitchFamily="18" charset="0"/>
+              </a:rPr>
+              <a:t>while</a:t>
+            </a:r>
           </a:p>
         </p:txBody>
       </p:sp>
     </p:spTree>
     <p:extLst>
       <p:ext uri="{BB962C8B-B14F-4D97-AF65-F5344CB8AC3E}">
-        <p14:creationId xmlns:p14="http://schemas.microsoft.com/office/powerpoint/2010/main" val="149610851"/>
+        <p14:creationId xmlns:p14="http://schemas.microsoft.com/office/powerpoint/2010/main" val="2211194759"/>
+      </p:ext>
+    </p:extLst>
+  </p:cSld>
+  <p:clrMapOvr>
+    <a:masterClrMapping/>
+  </p:clrMapOvr>
+</p:sld>
+</file>
+
+<file path=ppt/slides/slide9.xml><?xml version="1.0" encoding="utf-8"?>
+<p:sld xmlns:a="http://schemas.openxmlformats.org/drawingml/2006/main" xmlns:r="http://schemas.openxmlformats.org/officeDocument/2006/relationships" xmlns:p="http://schemas.openxmlformats.org/presentationml/2006/main">
+  <p:cSld>
+    <p:spTree>
+      <p:nvGrpSpPr>
+        <p:cNvPr id="1" name=""/>
+        <p:cNvGrpSpPr/>
+        <p:nvPr/>
+      </p:nvGrpSpPr>
+      <p:grpSpPr>
+        <a:xfrm>
+          <a:off x="0" y="0"/>
+          <a:ext cx="0" cy="0"/>
+          <a:chOff x="0" y="0"/>
+          <a:chExt cx="0" cy="0"/>
+        </a:xfrm>
+      </p:grpSpPr>
+      <p:sp>
+        <p:nvSpPr>
+          <p:cNvPr id="2" name="Title 1"/>
+          <p:cNvSpPr>
+            <a:spLocks noGrp="1"/>
+          </p:cNvSpPr>
+          <p:nvPr>
+            <p:ph type="title"/>
+          </p:nvPr>
+        </p:nvSpPr>
+        <p:spPr/>
+        <p:txBody>
+          <a:bodyPr/>
+          <a:lstStyle/>
+          <a:p>
+            <a:r>
+              <a:rPr lang="en-US" b="1" dirty="0"/>
+              <a:t>if/ else if/ else /Unless</a:t>
+            </a:r>
+          </a:p>
+        </p:txBody>
+      </p:sp>
+      <p:sp>
+        <p:nvSpPr>
+          <p:cNvPr id="3" name="Content Placeholder 2"/>
+          <p:cNvSpPr>
+            <a:spLocks noGrp="1"/>
+          </p:cNvSpPr>
+          <p:nvPr>
+            <p:ph idx="1"/>
+          </p:nvPr>
+        </p:nvSpPr>
+        <p:spPr>
+          <a:xfrm>
+            <a:off x="2589212" y="1753849"/>
+            <a:ext cx="8915400" cy="4497049"/>
+          </a:xfrm>
+        </p:spPr>
+        <p:txBody>
+          <a:bodyPr>
+            <a:normAutofit lnSpcReduction="10000"/>
+          </a:bodyPr>
+          <a:lstStyle/>
+          <a:p>
+            <a:pPr marL="0" indent="0">
+              <a:buNone/>
+            </a:pPr>
+            <a:r>
+              <a:rPr lang="en-US" dirty="0" smtClean="0"/>
+              <a:t>$a = 100;</a:t>
+            </a:r>
+          </a:p>
+          <a:p>
+            <a:pPr>
+              <a:buFont typeface="Wingdings" pitchFamily="2" charset="2"/>
+              <a:buChar char="§"/>
+            </a:pPr>
+            <a:r>
+              <a:rPr lang="en-US" b="1" dirty="0"/>
+              <a:t>if/ else if/ else </a:t>
+            </a:r>
+            <a:endParaRPr lang="en-US" dirty="0" smtClean="0"/>
+          </a:p>
+          <a:p>
+            <a:pPr marL="0" indent="0">
+              <a:buNone/>
+            </a:pPr>
+            <a:r>
+              <a:rPr lang="en-US" dirty="0" smtClean="0"/>
+              <a:t>	If ($a &gt; 100)</a:t>
+            </a:r>
+          </a:p>
+          <a:p>
+            <a:pPr marL="0" indent="0">
+              <a:buNone/>
+            </a:pPr>
+            <a:r>
+              <a:rPr lang="en-US" dirty="0" smtClean="0"/>
+              <a:t>	{</a:t>
+            </a:r>
+          </a:p>
+          <a:p>
+            <a:pPr marL="0" indent="0">
+              <a:buNone/>
+            </a:pPr>
+            <a:r>
+              <a:rPr lang="en-US" dirty="0"/>
+              <a:t>	</a:t>
+            </a:r>
+            <a:r>
+              <a:rPr lang="en-US" dirty="0" smtClean="0"/>
+              <a:t>	print “a &gt; 100”;</a:t>
+            </a:r>
+          </a:p>
+          <a:p>
+            <a:pPr marL="0" indent="0">
+              <a:buNone/>
+            </a:pPr>
+            <a:r>
+              <a:rPr lang="en-US" dirty="0" smtClean="0"/>
+              <a:t>	} else {</a:t>
+            </a:r>
+          </a:p>
+          <a:p>
+            <a:pPr marL="0" indent="0">
+              <a:buNone/>
+            </a:pPr>
+            <a:r>
+              <a:rPr lang="en-US" dirty="0"/>
+              <a:t>	</a:t>
+            </a:r>
+            <a:r>
+              <a:rPr lang="en-US" dirty="0" smtClean="0"/>
+              <a:t>	print “ a &lt;=100”;</a:t>
+            </a:r>
+          </a:p>
+          <a:p>
+            <a:pPr marL="0" indent="0">
+              <a:buNone/>
+            </a:pPr>
+            <a:r>
+              <a:rPr lang="en-US" dirty="0" smtClean="0"/>
+              <a:t>	}</a:t>
+            </a:r>
+          </a:p>
+          <a:p>
+            <a:pPr>
+              <a:buFont typeface="Wingdings" pitchFamily="2" charset="2"/>
+              <a:buChar char="§"/>
+            </a:pPr>
+            <a:r>
+              <a:rPr lang="en-US" b="1" dirty="0" smtClean="0"/>
+              <a:t>Unless</a:t>
+            </a:r>
+          </a:p>
+          <a:p>
+            <a:pPr marL="0" indent="0">
+              <a:buNone/>
+            </a:pPr>
+            <a:r>
+              <a:rPr lang="en-US" dirty="0" smtClean="0"/>
+              <a:t>	unless ($a != 100){</a:t>
+            </a:r>
+          </a:p>
+          <a:p>
+            <a:pPr marL="0" indent="0">
+              <a:buNone/>
+            </a:pPr>
+            <a:r>
+              <a:rPr lang="en-US" dirty="0" smtClean="0"/>
+              <a:t>		print </a:t>
+            </a:r>
+            <a:r>
+              <a:rPr lang="en-US" dirty="0"/>
+              <a:t>“a &gt; 100</a:t>
+            </a:r>
+            <a:r>
+              <a:rPr lang="en-US" dirty="0" smtClean="0"/>
+              <a:t>”;</a:t>
+            </a:r>
+          </a:p>
+          <a:p>
+            <a:pPr marL="0" indent="0">
+              <a:buNone/>
+            </a:pPr>
+            <a:r>
+              <a:rPr lang="en-US" dirty="0" smtClean="0"/>
+              <a:t>	}</a:t>
+            </a:r>
+            <a:endParaRPr lang="en-US" dirty="0"/>
+          </a:p>
+          <a:p>
+            <a:pPr marL="0" indent="0">
+              <a:buNone/>
+            </a:pPr>
+            <a:endParaRPr lang="en-US" dirty="0" smtClean="0"/>
+          </a:p>
+          <a:p>
+            <a:pPr marL="0" indent="0">
+              <a:buNone/>
+            </a:pPr>
+            <a:endParaRPr lang="en-US" dirty="0"/>
+          </a:p>
+        </p:txBody>
+      </p:sp>
+    </p:spTree>
+    <p:extLst>
+      <p:ext uri="{BB962C8B-B14F-4D97-AF65-F5344CB8AC3E}">
+        <p14:creationId xmlns:p14="http://schemas.microsoft.com/office/powerpoint/2010/main" val="3346363770"/>
       </p:ext>
     </p:extLst>
   </p:cSld>
@@ -9524,7 +11600,7 @@
     </a:clrScheme>
     <a:fontScheme name="Wisp">
       <a:majorFont>
-        <a:latin typeface="Century Gothic" panose="020B0502020202020204"/>
+        <a:latin typeface="Century Gothic"/>
         <a:ea typeface=""/>
         <a:cs typeface=""/>
         <a:font script="Jpan" typeface="メイリオ"/>
@@ -9559,7 +11635,7 @@
         <a:font script="Geor" typeface="Sylfaen"/>
       </a:majorFont>
       <a:minorFont>
-        <a:latin typeface="Century Gothic" panose="020B0502020202020204"/>
+        <a:latin typeface="Century Gothic"/>
         <a:ea typeface=""/>
         <a:cs typeface=""/>
         <a:font script="Jpan" typeface="メイリオ"/>
@@ -9718,7 +11794,7 @@
   <a:extraClrSchemeLst/>
   <a:extLst>
     <a:ext uri="{05A4C25C-085E-4340-85A3-A5531E510DB2}">
-      <thm15:themeFamily xmlns:thm15="http://schemas.microsoft.com/office/thememl/2012/main" name="Wisp" id="{7CB32D59-10C0-40DD-B7BD-2E94284A981C}" vid="{24B1A44C-C006-48B2-A4D7-E5549B3D8CD4}"/>
+      <thm15:themeFamily xmlns:thm15="http://schemas.microsoft.com/office/thememl/2012/main" xmlns="" name="Wisp" id="{7CB32D59-10C0-40DD-B7BD-2E94284A981C}" vid="{24B1A44C-C006-48B2-A4D7-E5549B3D8CD4}"/>
     </a:ext>
   </a:extLst>
 </a:theme>
